--- a/卒検発表(suga).pptx
+++ b/卒検発表(suga).pptx
@@ -17,9 +17,10 @@
     <p:sldId id="268" r:id="rId11"/>
     <p:sldId id="269" r:id="rId12"/>
     <p:sldId id="270" r:id="rId13"/>
-    <p:sldId id="261" r:id="rId14"/>
-    <p:sldId id="262" r:id="rId15"/>
-    <p:sldId id="263" r:id="rId16"/>
+    <p:sldId id="271" r:id="rId14"/>
+    <p:sldId id="261" r:id="rId15"/>
+    <p:sldId id="262" r:id="rId16"/>
+    <p:sldId id="263" r:id="rId17"/>
   </p:sldIdLst>
   <p:sldSz cx="9144000" cy="5143500" type="screen16x9"/>
   <p:notesSz cx="6858000" cy="9144000"/>
@@ -3542,10 +3543,10 @@
           <a:lstStyle/>
           <a:p>
             <a:r>
-              <a:rPr kumimoji="1" lang="en-US" altLang="ja-JP" smtClean="0"/>
+              <a:rPr kumimoji="1" lang="en-US" altLang="ja-JP" dirty="0" smtClean="0"/>
               <a:t>OAuth</a:t>
             </a:r>
-            <a:endParaRPr kumimoji="1" lang="ja-JP" altLang="en-US"/>
+            <a:endParaRPr kumimoji="1" lang="ja-JP" altLang="en-US" dirty="0"/>
           </a:p>
         </p:txBody>
       </p:sp>
@@ -3564,7 +3565,114 @@
           <a:bodyPr/>
           <a:lstStyle/>
           <a:p>
-            <a:endParaRPr kumimoji="1" lang="ja-JP" altLang="en-US"/>
+            <a:pPr>
+              <a:buFont typeface="Arial" charset="0"/>
+              <a:buChar char="•"/>
+            </a:pPr>
+            <a:r>
+              <a:rPr lang="en-US" altLang="ja-JP" dirty="0" smtClean="0"/>
+              <a:t>OAuth</a:t>
+            </a:r>
+            <a:r>
+              <a:rPr lang="ja-JP" altLang="en-US" dirty="0" smtClean="0"/>
+              <a:t>と</a:t>
+            </a:r>
+            <a:r>
+              <a:rPr lang="ja-JP" altLang="en-US" dirty="0"/>
+              <a:t>は、複数の</a:t>
+            </a:r>
+            <a:r>
+              <a:rPr lang="en-US" altLang="ja-JP" dirty="0"/>
+              <a:t>Web</a:t>
+            </a:r>
+            <a:r>
+              <a:rPr lang="ja-JP" altLang="en-US" dirty="0"/>
+              <a:t>サービスを連携して動作させるために使われる</a:t>
+            </a:r>
+            <a:r>
+              <a:rPr lang="ja-JP" altLang="en-US" dirty="0" smtClean="0"/>
+              <a:t>仕組み</a:t>
+            </a:r>
+            <a:endParaRPr lang="en-US" altLang="ja-JP" dirty="0"/>
+          </a:p>
+          <a:p>
+            <a:pPr lvl="1">
+              <a:buFont typeface="Arial" charset="0"/>
+              <a:buChar char="•"/>
+            </a:pPr>
+            <a:r>
+              <a:rPr lang="ja-JP" altLang="en-US" dirty="0" smtClean="0"/>
+              <a:t>メリット　複数のサービスを利用時、</a:t>
+            </a:r>
+            <a:r>
+              <a:rPr lang="en-US" altLang="ja-JP" dirty="0" smtClean="0"/>
+              <a:t>PW</a:t>
+            </a:r>
+            <a:r>
+              <a:rPr lang="ja-JP" altLang="en-US" dirty="0" smtClean="0"/>
+              <a:t>や</a:t>
+            </a:r>
+            <a:r>
+              <a:rPr lang="en-US" altLang="ja-JP" dirty="0" smtClean="0"/>
+              <a:t>ID</a:t>
+            </a:r>
+            <a:r>
+              <a:rPr lang="ja-JP" altLang="en-US" dirty="0" smtClean="0"/>
+              <a:t>を打ち直す必要がない</a:t>
+            </a:r>
+            <a:endParaRPr lang="en-US" altLang="ja-JP" dirty="0"/>
+          </a:p>
+          <a:p>
+            <a:pPr>
+              <a:buFont typeface="Arial" charset="0"/>
+              <a:buChar char="•"/>
+            </a:pPr>
+            <a:endParaRPr lang="en-US" altLang="ja-JP" dirty="0" smtClean="0"/>
+          </a:p>
+          <a:p>
+            <a:pPr>
+              <a:buFont typeface="Arial" charset="0"/>
+              <a:buChar char="•"/>
+            </a:pPr>
+            <a:r>
+              <a:rPr lang="en-US" altLang="ja-JP" dirty="0" smtClean="0"/>
+              <a:t>OAuth</a:t>
+            </a:r>
+            <a:r>
+              <a:rPr lang="ja-JP" altLang="en-US" dirty="0" smtClean="0"/>
+              <a:t>には</a:t>
+            </a:r>
+            <a:r>
+              <a:rPr lang="en-US" altLang="ja-JP" dirty="0" smtClean="0"/>
+              <a:t>1.0</a:t>
+            </a:r>
+            <a:r>
+              <a:rPr lang="ja-JP" altLang="en-US" dirty="0" smtClean="0"/>
+              <a:t>と</a:t>
+            </a:r>
+            <a:r>
+              <a:rPr lang="en-US" altLang="ja-JP" dirty="0" smtClean="0"/>
+              <a:t>2.0</a:t>
+            </a:r>
+            <a:r>
+              <a:rPr lang="ja-JP" altLang="en-US" dirty="0" smtClean="0"/>
+              <a:t>が存在するが、本研究では</a:t>
+            </a:r>
+            <a:r>
+              <a:rPr lang="en-US" altLang="ja-JP" dirty="0" smtClean="0"/>
+              <a:t>1.0</a:t>
+            </a:r>
+            <a:r>
+              <a:rPr lang="ja-JP" altLang="en-US" dirty="0" smtClean="0"/>
+              <a:t>で実装した。</a:t>
+            </a:r>
+            <a:endParaRPr lang="en-US" altLang="ja-JP" dirty="0" smtClean="0"/>
+          </a:p>
+          <a:p>
+            <a:pPr marL="0" indent="0">
+              <a:buNone/>
+            </a:pPr>
+            <a:endParaRPr kumimoji="1" lang="ja-JP" altLang="en-US" dirty="0"/>
           </a:p>
         </p:txBody>
       </p:sp>
@@ -3607,13 +3715,7 @@
       </p:grpSpPr>
       <p:sp>
         <p:nvSpPr>
-          <p:cNvPr id="2" name="タイトル 1">
-            <a:extLst>
-              <a:ext uri="{FF2B5EF4-FFF2-40B4-BE49-F238E27FC236}">
-                <a16:creationId xmlns:a16="http://schemas.microsoft.com/office/drawing/2014/main" xmlns="" id="{80DBE4F9-E233-394A-BA5A-BC2588DB79BC}"/>
-              </a:ext>
-            </a:extLst>
-          </p:cNvPr>
+          <p:cNvPr id="2" name="タイトル 1"/>
           <p:cNvSpPr>
             <a:spLocks noGrp="1"/>
           </p:cNvSpPr>
@@ -3627,41 +3729,298 @@
           <a:lstStyle/>
           <a:p>
             <a:r>
-              <a:rPr kumimoji="1" lang="ja-JP" altLang="en-US"/>
-              <a:t>システム</a:t>
-            </a:r>
-          </a:p>
-        </p:txBody>
-      </p:sp>
-      <p:sp>
-        <p:nvSpPr>
-          <p:cNvPr id="3" name="コンテンツ プレースホルダー 2">
-            <a:extLst>
-              <a:ext uri="{FF2B5EF4-FFF2-40B4-BE49-F238E27FC236}">
-                <a16:creationId xmlns:a16="http://schemas.microsoft.com/office/drawing/2014/main" xmlns="" id="{0371DA01-F23D-354C-ADCE-908F46C9DD03}"/>
-              </a:ext>
-            </a:extLst>
-          </p:cNvPr>
-          <p:cNvSpPr>
-            <a:spLocks noGrp="1"/>
-          </p:cNvSpPr>
-          <p:nvPr>
-            <p:ph idx="1"/>
-          </p:nvPr>
-        </p:nvSpPr>
-        <p:spPr/>
-        <p:txBody>
-          <a:bodyPr/>
-          <a:lstStyle/>
-          <a:p>
+              <a:rPr kumimoji="1" lang="en-US" altLang="ja-JP" dirty="0" smtClean="0"/>
+              <a:t>OAuth</a:t>
+            </a:r>
+            <a:r>
+              <a:rPr kumimoji="1" lang="ja-JP" altLang="en-US" dirty="0" smtClean="0"/>
+              <a:t>を使用すると</a:t>
+            </a:r>
             <a:endParaRPr kumimoji="1" lang="ja-JP" altLang="en-US" dirty="0"/>
+          </a:p>
+        </p:txBody>
+      </p:sp>
+      <p:sp>
+        <p:nvSpPr>
+          <p:cNvPr id="4" name="角丸四角形 3"/>
+          <p:cNvSpPr/>
+          <p:nvPr/>
+        </p:nvSpPr>
+        <p:spPr>
+          <a:xfrm>
+            <a:off x="457200" y="1816100"/>
+            <a:ext cx="1778000" cy="2527300"/>
+          </a:xfrm>
+          <a:prstGeom prst="roundRect">
+            <a:avLst/>
+          </a:prstGeom>
+        </p:spPr>
+        <p:style>
+          <a:lnRef idx="3">
+            <a:schemeClr val="lt1"/>
+          </a:lnRef>
+          <a:fillRef idx="1">
+            <a:schemeClr val="accent5"/>
+          </a:fillRef>
+          <a:effectRef idx="1">
+            <a:schemeClr val="accent5"/>
+          </a:effectRef>
+          <a:fontRef idx="minor">
+            <a:schemeClr val="lt1"/>
+          </a:fontRef>
+        </p:style>
+        <p:txBody>
+          <a:bodyPr rtlCol="0" anchor="ctr"/>
+          <a:lstStyle/>
+          <a:p>
+            <a:pPr algn="ctr"/>
+            <a:r>
+              <a:rPr lang="ja-JP" altLang="en-US" dirty="0" smtClean="0"/>
+              <a:t>ユーザー</a:t>
+            </a:r>
+            <a:endParaRPr kumimoji="1" lang="ja-JP" altLang="en-US" dirty="0"/>
+          </a:p>
+        </p:txBody>
+      </p:sp>
+      <p:sp>
+        <p:nvSpPr>
+          <p:cNvPr id="5" name="角丸四角形 4"/>
+          <p:cNvSpPr/>
+          <p:nvPr/>
+        </p:nvSpPr>
+        <p:spPr>
+          <a:xfrm>
+            <a:off x="3390900" y="1268016"/>
+            <a:ext cx="1625600" cy="1373584"/>
+          </a:xfrm>
+          <a:prstGeom prst="roundRect">
+            <a:avLst/>
+          </a:prstGeom>
+        </p:spPr>
+        <p:style>
+          <a:lnRef idx="2">
+            <a:schemeClr val="accent5">
+              <a:shade val="50000"/>
+            </a:schemeClr>
+          </a:lnRef>
+          <a:fillRef idx="1">
+            <a:schemeClr val="accent5"/>
+          </a:fillRef>
+          <a:effectRef idx="0">
+            <a:schemeClr val="accent5"/>
+          </a:effectRef>
+          <a:fontRef idx="minor">
+            <a:schemeClr val="lt1"/>
+          </a:fontRef>
+        </p:style>
+        <p:txBody>
+          <a:bodyPr rtlCol="0" anchor="ctr"/>
+          <a:lstStyle/>
+          <a:p>
+            <a:pPr algn="ctr"/>
+            <a:r>
+              <a:rPr lang="en-US" altLang="ja-JP" dirty="0" smtClean="0"/>
+              <a:t>Web</a:t>
+            </a:r>
+            <a:r>
+              <a:rPr lang="ja-JP" altLang="en-US" dirty="0" smtClean="0"/>
+              <a:t>サービス</a:t>
+            </a:r>
+            <a:r>
+              <a:rPr lang="en-US" altLang="ja-JP" dirty="0" smtClean="0"/>
+              <a:t/>
+            </a:r>
+            <a:br>
+              <a:rPr lang="en-US" altLang="ja-JP" dirty="0" smtClean="0"/>
+            </a:br>
+            <a:r>
+              <a:rPr lang="en-US" altLang="ja-JP" dirty="0" smtClean="0"/>
+              <a:t>ex </a:t>
+            </a:r>
+            <a:r>
+              <a:rPr lang="ja-JP" altLang="en-US" dirty="0" smtClean="0"/>
+              <a:t>写真投稿アプリ</a:t>
+            </a:r>
+            <a:endParaRPr kumimoji="1" lang="ja-JP" altLang="en-US" dirty="0"/>
+          </a:p>
+        </p:txBody>
+      </p:sp>
+      <p:sp>
+        <p:nvSpPr>
+          <p:cNvPr id="6" name="角丸四角形 5"/>
+          <p:cNvSpPr/>
+          <p:nvPr/>
+        </p:nvSpPr>
+        <p:spPr>
+          <a:xfrm>
+            <a:off x="3390900" y="3414316"/>
+            <a:ext cx="1625600" cy="1373584"/>
+          </a:xfrm>
+          <a:prstGeom prst="roundRect">
+            <a:avLst/>
+          </a:prstGeom>
+        </p:spPr>
+        <p:style>
+          <a:lnRef idx="2">
+            <a:schemeClr val="accent5">
+              <a:shade val="50000"/>
+            </a:schemeClr>
+          </a:lnRef>
+          <a:fillRef idx="1">
+            <a:schemeClr val="accent5"/>
+          </a:fillRef>
+          <a:effectRef idx="0">
+            <a:schemeClr val="accent5"/>
+          </a:effectRef>
+          <a:fontRef idx="minor">
+            <a:schemeClr val="lt1"/>
+          </a:fontRef>
+        </p:style>
+        <p:txBody>
+          <a:bodyPr rtlCol="0" anchor="ctr"/>
+          <a:lstStyle/>
+          <a:p>
+            <a:pPr algn="ctr"/>
+            <a:r>
+              <a:rPr kumimoji="1" lang="en-US" altLang="ja-JP" dirty="0" smtClean="0"/>
+              <a:t>Web</a:t>
+            </a:r>
+            <a:r>
+              <a:rPr kumimoji="1" lang="ja-JP" altLang="en-US" dirty="0" smtClean="0"/>
+              <a:t>サービス</a:t>
+            </a:r>
+            <a:endParaRPr kumimoji="1" lang="en-US" altLang="ja-JP" dirty="0" smtClean="0"/>
+          </a:p>
+          <a:p>
+            <a:pPr algn="ctr"/>
+            <a:r>
+              <a:rPr lang="en-US" altLang="ja-JP" dirty="0" smtClean="0"/>
+              <a:t>ex SNS</a:t>
+            </a:r>
+            <a:endParaRPr kumimoji="1" lang="ja-JP" altLang="en-US" dirty="0"/>
+          </a:p>
+        </p:txBody>
+      </p:sp>
+      <p:sp>
+        <p:nvSpPr>
+          <p:cNvPr id="9" name="右矢印 8"/>
+          <p:cNvSpPr/>
+          <p:nvPr/>
+        </p:nvSpPr>
+        <p:spPr>
+          <a:xfrm>
+            <a:off x="2235200" y="1625600"/>
+            <a:ext cx="1155700" cy="1016000"/>
+          </a:xfrm>
+          <a:prstGeom prst="rightArrow">
+            <a:avLst/>
+          </a:prstGeom>
+        </p:spPr>
+        <p:style>
+          <a:lnRef idx="3">
+            <a:schemeClr val="lt1"/>
+          </a:lnRef>
+          <a:fillRef idx="1">
+            <a:schemeClr val="accent2"/>
+          </a:fillRef>
+          <a:effectRef idx="1">
+            <a:schemeClr val="accent2"/>
+          </a:effectRef>
+          <a:fontRef idx="minor">
+            <a:schemeClr val="lt1"/>
+          </a:fontRef>
+        </p:style>
+        <p:txBody>
+          <a:bodyPr rtlCol="0" anchor="ctr"/>
+          <a:lstStyle/>
+          <a:p>
+            <a:pPr algn="ctr"/>
+            <a:endParaRPr kumimoji="1" lang="ja-JP" altLang="en-US"/>
+          </a:p>
+        </p:txBody>
+      </p:sp>
+      <p:sp>
+        <p:nvSpPr>
+          <p:cNvPr id="10" name="下矢印 9"/>
+          <p:cNvSpPr/>
+          <p:nvPr/>
+        </p:nvSpPr>
+        <p:spPr>
+          <a:xfrm>
+            <a:off x="4114800" y="2641600"/>
+            <a:ext cx="368300" cy="772716"/>
+          </a:xfrm>
+          <a:prstGeom prst="downArrow">
+            <a:avLst/>
+          </a:prstGeom>
+        </p:spPr>
+        <p:style>
+          <a:lnRef idx="2">
+            <a:schemeClr val="accent1">
+              <a:shade val="50000"/>
+            </a:schemeClr>
+          </a:lnRef>
+          <a:fillRef idx="1">
+            <a:schemeClr val="accent1"/>
+          </a:fillRef>
+          <a:effectRef idx="0">
+            <a:schemeClr val="accent1"/>
+          </a:effectRef>
+          <a:fontRef idx="minor">
+            <a:schemeClr val="lt1"/>
+          </a:fontRef>
+        </p:style>
+        <p:txBody>
+          <a:bodyPr rtlCol="0" anchor="ctr"/>
+          <a:lstStyle/>
+          <a:p>
+            <a:pPr algn="ctr"/>
+            <a:endParaRPr kumimoji="1" lang="ja-JP" altLang="en-US"/>
+          </a:p>
+        </p:txBody>
+      </p:sp>
+      <p:sp>
+        <p:nvSpPr>
+          <p:cNvPr id="11" name="右矢印 10"/>
+          <p:cNvSpPr/>
+          <p:nvPr/>
+        </p:nvSpPr>
+        <p:spPr>
+          <a:xfrm>
+            <a:off x="5016500" y="3644504"/>
+            <a:ext cx="1155700" cy="1016000"/>
+          </a:xfrm>
+          <a:prstGeom prst="rightArrow">
+            <a:avLst/>
+          </a:prstGeom>
+        </p:spPr>
+        <p:style>
+          <a:lnRef idx="3">
+            <a:schemeClr val="lt1"/>
+          </a:lnRef>
+          <a:fillRef idx="1">
+            <a:schemeClr val="accent2"/>
+          </a:fillRef>
+          <a:effectRef idx="1">
+            <a:schemeClr val="accent2"/>
+          </a:effectRef>
+          <a:fontRef idx="minor">
+            <a:schemeClr val="lt1"/>
+          </a:fontRef>
+        </p:style>
+        <p:txBody>
+          <a:bodyPr rtlCol="0" anchor="ctr"/>
+          <a:lstStyle/>
+          <a:p>
+            <a:pPr algn="ctr"/>
+            <a:endParaRPr kumimoji="1" lang="ja-JP" altLang="en-US"/>
           </a:p>
         </p:txBody>
       </p:sp>
     </p:spTree>
     <p:extLst>
       <p:ext uri="{BB962C8B-B14F-4D97-AF65-F5344CB8AC3E}">
-        <p14:creationId xmlns:p14="http://schemas.microsoft.com/office/powerpoint/2010/main" val="2388633898"/>
+        <p14:creationId xmlns:p14="http://schemas.microsoft.com/office/powerpoint/2010/main" val="1417558868"/>
       </p:ext>
     </p:extLst>
   </p:cSld>
@@ -3700,6 +4059,96 @@
           <p:cNvPr id="2" name="タイトル 1">
             <a:extLst>
               <a:ext uri="{FF2B5EF4-FFF2-40B4-BE49-F238E27FC236}">
+                <a16:creationId xmlns:a16="http://schemas.microsoft.com/office/drawing/2014/main" xmlns="" id="{80DBE4F9-E233-394A-BA5A-BC2588DB79BC}"/>
+              </a:ext>
+            </a:extLst>
+          </p:cNvPr>
+          <p:cNvSpPr>
+            <a:spLocks noGrp="1"/>
+          </p:cNvSpPr>
+          <p:nvPr>
+            <p:ph type="title"/>
+          </p:nvPr>
+        </p:nvSpPr>
+        <p:spPr/>
+        <p:txBody>
+          <a:bodyPr/>
+          <a:lstStyle/>
+          <a:p>
+            <a:r>
+              <a:rPr kumimoji="1" lang="ja-JP" altLang="en-US"/>
+              <a:t>システム</a:t>
+            </a:r>
+          </a:p>
+        </p:txBody>
+      </p:sp>
+      <p:sp>
+        <p:nvSpPr>
+          <p:cNvPr id="3" name="コンテンツ プレースホルダー 2">
+            <a:extLst>
+              <a:ext uri="{FF2B5EF4-FFF2-40B4-BE49-F238E27FC236}">
+                <a16:creationId xmlns:a16="http://schemas.microsoft.com/office/drawing/2014/main" xmlns="" id="{0371DA01-F23D-354C-ADCE-908F46C9DD03}"/>
+              </a:ext>
+            </a:extLst>
+          </p:cNvPr>
+          <p:cNvSpPr>
+            <a:spLocks noGrp="1"/>
+          </p:cNvSpPr>
+          <p:nvPr>
+            <p:ph idx="1"/>
+          </p:nvPr>
+        </p:nvSpPr>
+        <p:spPr/>
+        <p:txBody>
+          <a:bodyPr/>
+          <a:lstStyle/>
+          <a:p>
+            <a:endParaRPr kumimoji="1" lang="ja-JP" altLang="en-US" dirty="0"/>
+          </a:p>
+        </p:txBody>
+      </p:sp>
+    </p:spTree>
+    <p:extLst>
+      <p:ext uri="{BB962C8B-B14F-4D97-AF65-F5344CB8AC3E}">
+        <p14:creationId xmlns:p14="http://schemas.microsoft.com/office/powerpoint/2010/main" val="2388633898"/>
+      </p:ext>
+    </p:extLst>
+  </p:cSld>
+  <p:clrMapOvr>
+    <a:masterClrMapping/>
+  </p:clrMapOvr>
+  <p:timing>
+    <p:tnLst>
+      <p:par>
+        <p:cTn id="1" dur="indefinite" restart="never" nodeType="tmRoot"/>
+      </p:par>
+    </p:tnLst>
+  </p:timing>
+</p:sld>
+</file>
+
+<file path=ppt/slides/slide15.xml><?xml version="1.0" encoding="utf-8"?>
+<p:sld xmlns:a="http://schemas.openxmlformats.org/drawingml/2006/main" xmlns:r="http://schemas.openxmlformats.org/officeDocument/2006/relationships" xmlns:p="http://schemas.openxmlformats.org/presentationml/2006/main">
+  <p:cSld>
+    <p:spTree>
+      <p:nvGrpSpPr>
+        <p:cNvPr id="1" name=""/>
+        <p:cNvGrpSpPr/>
+        <p:nvPr/>
+      </p:nvGrpSpPr>
+      <p:grpSpPr>
+        <a:xfrm>
+          <a:off x="0" y="0"/>
+          <a:ext cx="0" cy="0"/>
+          <a:chOff x="0" y="0"/>
+          <a:chExt cx="0" cy="0"/>
+        </a:xfrm>
+      </p:grpSpPr>
+      <p:sp>
+        <p:nvSpPr>
+          <p:cNvPr id="2" name="タイトル 1">
+            <a:extLst>
+              <a:ext uri="{FF2B5EF4-FFF2-40B4-BE49-F238E27FC236}">
                 <a16:creationId xmlns:a16="http://schemas.microsoft.com/office/drawing/2014/main" xmlns="" id="{A7E07DC4-64D1-054F-A040-A3860652E9D8}"/>
               </a:ext>
             </a:extLst>
@@ -3762,7 +4211,7 @@
 </p:sld>
 </file>
 
-<file path=ppt/slides/slide15.xml><?xml version="1.0" encoding="utf-8"?>
+<file path=ppt/slides/slide16.xml><?xml version="1.0" encoding="utf-8"?>
 <p:sld xmlns:a="http://schemas.openxmlformats.org/drawingml/2006/main" xmlns:r="http://schemas.openxmlformats.org/officeDocument/2006/relationships" xmlns:p="http://schemas.openxmlformats.org/presentationml/2006/main">
   <p:cSld>
     <p:spTree>

--- a/卒検発表(suga).pptx
+++ b/卒検発表(suga).pptx
@@ -4,6 +4,9 @@
   <p:sldMasterIdLst>
     <p:sldMasterId id="2147483660" r:id="rId1"/>
   </p:sldMasterIdLst>
+  <p:notesMasterIdLst>
+    <p:notesMasterId r:id="rId24"/>
+  </p:notesMasterIdLst>
   <p:sldIdLst>
     <p:sldId id="256" r:id="rId2"/>
     <p:sldId id="257" r:id="rId3"/>
@@ -18,9 +21,15 @@
     <p:sldId id="269" r:id="rId12"/>
     <p:sldId id="270" r:id="rId13"/>
     <p:sldId id="271" r:id="rId14"/>
-    <p:sldId id="261" r:id="rId15"/>
-    <p:sldId id="262" r:id="rId16"/>
-    <p:sldId id="263" r:id="rId17"/>
+    <p:sldId id="273" r:id="rId15"/>
+    <p:sldId id="272" r:id="rId16"/>
+    <p:sldId id="277" r:id="rId17"/>
+    <p:sldId id="274" r:id="rId18"/>
+    <p:sldId id="276" r:id="rId19"/>
+    <p:sldId id="275" r:id="rId20"/>
+    <p:sldId id="261" r:id="rId21"/>
+    <p:sldId id="262" r:id="rId22"/>
+    <p:sldId id="263" r:id="rId23"/>
   </p:sldIdLst>
   <p:sldSz cx="9144000" cy="5143500" type="screen16x9"/>
   <p:notesSz cx="6858000" cy="9144000"/>
@@ -125,6 +134,388 @@
     </p:ext>
   </p:extLst>
 </p:presentation>
+</file>
+
+<file path=ppt/notesMasters/notesMaster1.xml><?xml version="1.0" encoding="utf-8"?>
+<p:notesMaster xmlns:a="http://schemas.openxmlformats.org/drawingml/2006/main" xmlns:r="http://schemas.openxmlformats.org/officeDocument/2006/relationships" xmlns:p="http://schemas.openxmlformats.org/presentationml/2006/main">
+  <p:cSld>
+    <p:bg>
+      <p:bgRef idx="1001">
+        <a:schemeClr val="bg1"/>
+      </p:bgRef>
+    </p:bg>
+    <p:spTree>
+      <p:nvGrpSpPr>
+        <p:cNvPr id="1" name=""/>
+        <p:cNvGrpSpPr/>
+        <p:nvPr/>
+      </p:nvGrpSpPr>
+      <p:grpSpPr>
+        <a:xfrm>
+          <a:off x="0" y="0"/>
+          <a:ext cx="0" cy="0"/>
+          <a:chOff x="0" y="0"/>
+          <a:chExt cx="0" cy="0"/>
+        </a:xfrm>
+      </p:grpSpPr>
+      <p:sp>
+        <p:nvSpPr>
+          <p:cNvPr id="2" name="ヘッダー プレースホルダー 1"/>
+          <p:cNvSpPr>
+            <a:spLocks noGrp="1"/>
+          </p:cNvSpPr>
+          <p:nvPr>
+            <p:ph type="hdr" sz="quarter"/>
+          </p:nvPr>
+        </p:nvSpPr>
+        <p:spPr>
+          <a:xfrm>
+            <a:off x="0" y="0"/>
+            <a:ext cx="2971800" cy="458788"/>
+          </a:xfrm>
+          <a:prstGeom prst="rect">
+            <a:avLst/>
+          </a:prstGeom>
+        </p:spPr>
+        <p:txBody>
+          <a:bodyPr vert="horz" lIns="91440" tIns="45720" rIns="91440" bIns="45720" rtlCol="0"/>
+          <a:lstStyle>
+            <a:lvl1pPr algn="l">
+              <a:defRPr sz="1200"/>
+            </a:lvl1pPr>
+          </a:lstStyle>
+          <a:p>
+            <a:endParaRPr kumimoji="1" lang="ja-JP" altLang="en-US"/>
+          </a:p>
+        </p:txBody>
+      </p:sp>
+      <p:sp>
+        <p:nvSpPr>
+          <p:cNvPr id="3" name="日付プレースホルダー 2"/>
+          <p:cNvSpPr>
+            <a:spLocks noGrp="1"/>
+          </p:cNvSpPr>
+          <p:nvPr>
+            <p:ph type="dt" idx="1"/>
+          </p:nvPr>
+        </p:nvSpPr>
+        <p:spPr>
+          <a:xfrm>
+            <a:off x="3884613" y="0"/>
+            <a:ext cx="2971800" cy="458788"/>
+          </a:xfrm>
+          <a:prstGeom prst="rect">
+            <a:avLst/>
+          </a:prstGeom>
+        </p:spPr>
+        <p:txBody>
+          <a:bodyPr vert="horz" lIns="91440" tIns="45720" rIns="91440" bIns="45720" rtlCol="0"/>
+          <a:lstStyle>
+            <a:lvl1pPr algn="r">
+              <a:defRPr sz="1200"/>
+            </a:lvl1pPr>
+          </a:lstStyle>
+          <a:p>
+            <a:fld id="{ECD9A06C-B020-7E41-8DCE-3ABDA7646195}" type="datetimeFigureOut">
+              <a:rPr kumimoji="1" lang="ja-JP" altLang="en-US" smtClean="0"/>
+              <a:t>2019/1/15</a:t>
+            </a:fld>
+            <a:endParaRPr kumimoji="1" lang="ja-JP" altLang="en-US"/>
+          </a:p>
+        </p:txBody>
+      </p:sp>
+      <p:sp>
+        <p:nvSpPr>
+          <p:cNvPr id="4" name="スライド イメージ プレースホルダー 3"/>
+          <p:cNvSpPr>
+            <a:spLocks noGrp="1" noRot="1" noChangeAspect="1"/>
+          </p:cNvSpPr>
+          <p:nvPr>
+            <p:ph type="sldImg" idx="2"/>
+          </p:nvPr>
+        </p:nvSpPr>
+        <p:spPr>
+          <a:xfrm>
+            <a:off x="685800" y="1143000"/>
+            <a:ext cx="5486400" cy="3086100"/>
+          </a:xfrm>
+          <a:prstGeom prst="rect">
+            <a:avLst/>
+          </a:prstGeom>
+          <a:noFill/>
+          <a:ln w="12700">
+            <a:solidFill>
+              <a:prstClr val="black"/>
+            </a:solidFill>
+          </a:ln>
+        </p:spPr>
+        <p:txBody>
+          <a:bodyPr vert="horz" lIns="91440" tIns="45720" rIns="91440" bIns="45720" rtlCol="0" anchor="ctr"/>
+          <a:lstStyle/>
+          <a:p>
+            <a:endParaRPr lang="ja-JP" altLang="en-US"/>
+          </a:p>
+        </p:txBody>
+      </p:sp>
+      <p:sp>
+        <p:nvSpPr>
+          <p:cNvPr id="5" name="ノート プレースホルダー 4"/>
+          <p:cNvSpPr>
+            <a:spLocks noGrp="1"/>
+          </p:cNvSpPr>
+          <p:nvPr>
+            <p:ph type="body" sz="quarter" idx="3"/>
+          </p:nvPr>
+        </p:nvSpPr>
+        <p:spPr>
+          <a:xfrm>
+            <a:off x="685800" y="4400550"/>
+            <a:ext cx="5486400" cy="3600450"/>
+          </a:xfrm>
+          <a:prstGeom prst="rect">
+            <a:avLst/>
+          </a:prstGeom>
+        </p:spPr>
+        <p:txBody>
+          <a:bodyPr vert="horz" lIns="91440" tIns="45720" rIns="91440" bIns="45720" rtlCol="0"/>
+          <a:lstStyle/>
+          <a:p>
+            <a:pPr lvl="0"/>
+            <a:r>
+              <a:rPr kumimoji="1" lang="ja-JP" altLang="en-US" smtClean="0"/>
+              <a:t>マスター テキストの書式設定</a:t>
+            </a:r>
+          </a:p>
+          <a:p>
+            <a:pPr lvl="1"/>
+            <a:r>
+              <a:rPr kumimoji="1" lang="ja-JP" altLang="en-US" smtClean="0"/>
+              <a:t>第 </a:t>
+            </a:r>
+            <a:r>
+              <a:rPr kumimoji="1" lang="en-US" altLang="ja-JP" smtClean="0"/>
+              <a:t>2 </a:t>
+            </a:r>
+            <a:r>
+              <a:rPr kumimoji="1" lang="ja-JP" altLang="en-US" smtClean="0"/>
+              <a:t>レベル</a:t>
+            </a:r>
+          </a:p>
+          <a:p>
+            <a:pPr lvl="2"/>
+            <a:r>
+              <a:rPr kumimoji="1" lang="ja-JP" altLang="en-US" smtClean="0"/>
+              <a:t>第 </a:t>
+            </a:r>
+            <a:r>
+              <a:rPr kumimoji="1" lang="en-US" altLang="ja-JP" smtClean="0"/>
+              <a:t>3 </a:t>
+            </a:r>
+            <a:r>
+              <a:rPr kumimoji="1" lang="ja-JP" altLang="en-US" smtClean="0"/>
+              <a:t>レベル</a:t>
+            </a:r>
+          </a:p>
+          <a:p>
+            <a:pPr lvl="3"/>
+            <a:r>
+              <a:rPr kumimoji="1" lang="ja-JP" altLang="en-US" smtClean="0"/>
+              <a:t>第 </a:t>
+            </a:r>
+            <a:r>
+              <a:rPr kumimoji="1" lang="en-US" altLang="ja-JP" smtClean="0"/>
+              <a:t>4 </a:t>
+            </a:r>
+            <a:r>
+              <a:rPr kumimoji="1" lang="ja-JP" altLang="en-US" smtClean="0"/>
+              <a:t>レベル</a:t>
+            </a:r>
+          </a:p>
+          <a:p>
+            <a:pPr lvl="4"/>
+            <a:r>
+              <a:rPr kumimoji="1" lang="ja-JP" altLang="en-US" smtClean="0"/>
+              <a:t>第 </a:t>
+            </a:r>
+            <a:r>
+              <a:rPr kumimoji="1" lang="en-US" altLang="ja-JP" smtClean="0"/>
+              <a:t>5 </a:t>
+            </a:r>
+            <a:r>
+              <a:rPr kumimoji="1" lang="ja-JP" altLang="en-US" smtClean="0"/>
+              <a:t>レベル</a:t>
+            </a:r>
+            <a:endParaRPr kumimoji="1" lang="ja-JP" altLang="en-US"/>
+          </a:p>
+        </p:txBody>
+      </p:sp>
+      <p:sp>
+        <p:nvSpPr>
+          <p:cNvPr id="6" name="フッター プレースホルダー 5"/>
+          <p:cNvSpPr>
+            <a:spLocks noGrp="1"/>
+          </p:cNvSpPr>
+          <p:nvPr>
+            <p:ph type="ftr" sz="quarter" idx="4"/>
+          </p:nvPr>
+        </p:nvSpPr>
+        <p:spPr>
+          <a:xfrm>
+            <a:off x="0" y="8685213"/>
+            <a:ext cx="2971800" cy="458787"/>
+          </a:xfrm>
+          <a:prstGeom prst="rect">
+            <a:avLst/>
+          </a:prstGeom>
+        </p:spPr>
+        <p:txBody>
+          <a:bodyPr vert="horz" lIns="91440" tIns="45720" rIns="91440" bIns="45720" rtlCol="0" anchor="b"/>
+          <a:lstStyle>
+            <a:lvl1pPr algn="l">
+              <a:defRPr sz="1200"/>
+            </a:lvl1pPr>
+          </a:lstStyle>
+          <a:p>
+            <a:endParaRPr kumimoji="1" lang="ja-JP" altLang="en-US"/>
+          </a:p>
+        </p:txBody>
+      </p:sp>
+      <p:sp>
+        <p:nvSpPr>
+          <p:cNvPr id="7" name="スライド番号プレースホルダー 6"/>
+          <p:cNvSpPr>
+            <a:spLocks noGrp="1"/>
+          </p:cNvSpPr>
+          <p:nvPr>
+            <p:ph type="sldNum" sz="quarter" idx="5"/>
+          </p:nvPr>
+        </p:nvSpPr>
+        <p:spPr>
+          <a:xfrm>
+            <a:off x="3884613" y="8685213"/>
+            <a:ext cx="2971800" cy="458787"/>
+          </a:xfrm>
+          <a:prstGeom prst="rect">
+            <a:avLst/>
+          </a:prstGeom>
+        </p:spPr>
+        <p:txBody>
+          <a:bodyPr vert="horz" lIns="91440" tIns="45720" rIns="91440" bIns="45720" rtlCol="0" anchor="b"/>
+          <a:lstStyle>
+            <a:lvl1pPr algn="r">
+              <a:defRPr sz="1200"/>
+            </a:lvl1pPr>
+          </a:lstStyle>
+          <a:p>
+            <a:fld id="{5869CE57-A034-864E-84E0-2BBC484A2789}" type="slidenum">
+              <a:rPr kumimoji="1" lang="ja-JP" altLang="en-US" smtClean="0"/>
+              <a:t>‹#›</a:t>
+            </a:fld>
+            <a:endParaRPr kumimoji="1" lang="ja-JP" altLang="en-US"/>
+          </a:p>
+        </p:txBody>
+      </p:sp>
+    </p:spTree>
+    <p:extLst>
+      <p:ext uri="{BB962C8B-B14F-4D97-AF65-F5344CB8AC3E}">
+        <p14:creationId xmlns:p14="http://schemas.microsoft.com/office/powerpoint/2010/main" val="154148987"/>
+      </p:ext>
+    </p:extLst>
+  </p:cSld>
+  <p:clrMap bg1="lt1" tx1="dk1" bg2="lt2" tx2="dk2" accent1="accent1" accent2="accent2" accent3="accent3" accent4="accent4" accent5="accent5" accent6="accent6" hlink="hlink" folHlink="folHlink"/>
+  <p:notesStyle>
+    <a:lvl1pPr marL="0" algn="l" defTabSz="914400" rtl="0" eaLnBrk="1" latinLnBrk="0" hangingPunct="1">
+      <a:defRPr kumimoji="1" sz="1200" kern="1200">
+        <a:solidFill>
+          <a:schemeClr val="tx1"/>
+        </a:solidFill>
+        <a:latin typeface="+mn-lt"/>
+        <a:ea typeface="+mn-ea"/>
+        <a:cs typeface="+mn-cs"/>
+      </a:defRPr>
+    </a:lvl1pPr>
+    <a:lvl2pPr marL="457200" algn="l" defTabSz="914400" rtl="0" eaLnBrk="1" latinLnBrk="0" hangingPunct="1">
+      <a:defRPr kumimoji="1" sz="1200" kern="1200">
+        <a:solidFill>
+          <a:schemeClr val="tx1"/>
+        </a:solidFill>
+        <a:latin typeface="+mn-lt"/>
+        <a:ea typeface="+mn-ea"/>
+        <a:cs typeface="+mn-cs"/>
+      </a:defRPr>
+    </a:lvl2pPr>
+    <a:lvl3pPr marL="914400" algn="l" defTabSz="914400" rtl="0" eaLnBrk="1" latinLnBrk="0" hangingPunct="1">
+      <a:defRPr kumimoji="1" sz="1200" kern="1200">
+        <a:solidFill>
+          <a:schemeClr val="tx1"/>
+        </a:solidFill>
+        <a:latin typeface="+mn-lt"/>
+        <a:ea typeface="+mn-ea"/>
+        <a:cs typeface="+mn-cs"/>
+      </a:defRPr>
+    </a:lvl3pPr>
+    <a:lvl4pPr marL="1371600" algn="l" defTabSz="914400" rtl="0" eaLnBrk="1" latinLnBrk="0" hangingPunct="1">
+      <a:defRPr kumimoji="1" sz="1200" kern="1200">
+        <a:solidFill>
+          <a:schemeClr val="tx1"/>
+        </a:solidFill>
+        <a:latin typeface="+mn-lt"/>
+        <a:ea typeface="+mn-ea"/>
+        <a:cs typeface="+mn-cs"/>
+      </a:defRPr>
+    </a:lvl4pPr>
+    <a:lvl5pPr marL="1828800" algn="l" defTabSz="914400" rtl="0" eaLnBrk="1" latinLnBrk="0" hangingPunct="1">
+      <a:defRPr kumimoji="1" sz="1200" kern="1200">
+        <a:solidFill>
+          <a:schemeClr val="tx1"/>
+        </a:solidFill>
+        <a:latin typeface="+mn-lt"/>
+        <a:ea typeface="+mn-ea"/>
+        <a:cs typeface="+mn-cs"/>
+      </a:defRPr>
+    </a:lvl5pPr>
+    <a:lvl6pPr marL="2286000" algn="l" defTabSz="914400" rtl="0" eaLnBrk="1" latinLnBrk="0" hangingPunct="1">
+      <a:defRPr kumimoji="1" sz="1200" kern="1200">
+        <a:solidFill>
+          <a:schemeClr val="tx1"/>
+        </a:solidFill>
+        <a:latin typeface="+mn-lt"/>
+        <a:ea typeface="+mn-ea"/>
+        <a:cs typeface="+mn-cs"/>
+      </a:defRPr>
+    </a:lvl6pPr>
+    <a:lvl7pPr marL="2743200" algn="l" defTabSz="914400" rtl="0" eaLnBrk="1" latinLnBrk="0" hangingPunct="1">
+      <a:defRPr kumimoji="1" sz="1200" kern="1200">
+        <a:solidFill>
+          <a:schemeClr val="tx1"/>
+        </a:solidFill>
+        <a:latin typeface="+mn-lt"/>
+        <a:ea typeface="+mn-ea"/>
+        <a:cs typeface="+mn-cs"/>
+      </a:defRPr>
+    </a:lvl7pPr>
+    <a:lvl8pPr marL="3200400" algn="l" defTabSz="914400" rtl="0" eaLnBrk="1" latinLnBrk="0" hangingPunct="1">
+      <a:defRPr kumimoji="1" sz="1200" kern="1200">
+        <a:solidFill>
+          <a:schemeClr val="tx1"/>
+        </a:solidFill>
+        <a:latin typeface="+mn-lt"/>
+        <a:ea typeface="+mn-ea"/>
+        <a:cs typeface="+mn-cs"/>
+      </a:defRPr>
+    </a:lvl8pPr>
+    <a:lvl9pPr marL="3657600" algn="l" defTabSz="914400" rtl="0" eaLnBrk="1" latinLnBrk="0" hangingPunct="1">
+      <a:defRPr kumimoji="1" sz="1200" kern="1200">
+        <a:solidFill>
+          <a:schemeClr val="tx1"/>
+        </a:solidFill>
+        <a:latin typeface="+mn-lt"/>
+        <a:ea typeface="+mn-ea"/>
+        <a:cs typeface="+mn-cs"/>
+      </a:defRPr>
+    </a:lvl9pPr>
+  </p:notesStyle>
+</p:notesMaster>
 </file>
 
 <file path=ppt/slideLayouts/slideLayout1.xml><?xml version="1.0" encoding="utf-8"?>
@@ -3372,7 +3763,11 @@
           <a:bodyPr/>
           <a:lstStyle/>
           <a:p>
-            <a:endParaRPr kumimoji="1" lang="ja-JP" altLang="en-US"/>
+            <a:r>
+              <a:rPr kumimoji="1" lang="ja-JP" altLang="en-US" dirty="0" smtClean="0"/>
+              <a:t>外部ツール追加画面</a:t>
+            </a:r>
+            <a:endParaRPr kumimoji="1" lang="ja-JP" altLang="en-US" dirty="0"/>
           </a:p>
         </p:txBody>
       </p:sp>
@@ -3457,7 +3852,11 @@
           <a:bodyPr/>
           <a:lstStyle/>
           <a:p>
-            <a:endParaRPr kumimoji="1" lang="ja-JP" altLang="en-US"/>
+            <a:r>
+              <a:rPr kumimoji="1" lang="ja-JP" altLang="en-US" dirty="0" smtClean="0"/>
+              <a:t>外部ツール設定画面</a:t>
+            </a:r>
+            <a:endParaRPr kumimoji="1" lang="ja-JP" altLang="en-US" dirty="0"/>
           </a:p>
         </p:txBody>
       </p:sp>
@@ -3485,8 +3884,8 @@
         </p:blipFill>
         <p:spPr>
           <a:xfrm>
-            <a:off x="628650" y="1370013"/>
-            <a:ext cx="7886700" cy="3262312"/>
+            <a:off x="2219325" y="1382713"/>
+            <a:ext cx="4705350" cy="3262312"/>
           </a:xfrm>
         </p:spPr>
       </p:pic>
@@ -3656,7 +4055,7 @@
             </a:r>
             <a:r>
               <a:rPr lang="ja-JP" altLang="en-US" dirty="0" smtClean="0"/>
-              <a:t>が存在するが、本研究では</a:t>
+              <a:t>が存在、本研究では</a:t>
             </a:r>
             <a:r>
               <a:rPr lang="en-US" altLang="ja-JP" dirty="0" smtClean="0"/>
@@ -3748,8 +4147,8 @@
         </p:nvSpPr>
         <p:spPr>
           <a:xfrm>
-            <a:off x="457200" y="1816100"/>
-            <a:ext cx="1778000" cy="2527300"/>
+            <a:off x="457200" y="1168400"/>
+            <a:ext cx="1778000" cy="3175000"/>
           </a:xfrm>
           <a:prstGeom prst="roundRect">
             <a:avLst/>
@@ -3909,7 +4308,7 @@
         </p:nvSpPr>
         <p:spPr>
           <a:xfrm>
-            <a:off x="2235200" y="1625600"/>
+            <a:off x="2235200" y="1443038"/>
             <a:ext cx="1155700" cy="1016000"/>
           </a:xfrm>
           <a:prstGeom prst="rightArrow">
@@ -3935,7 +4334,11 @@
           <a:lstStyle/>
           <a:p>
             <a:pPr algn="ctr"/>
-            <a:endParaRPr kumimoji="1" lang="ja-JP" altLang="en-US"/>
+            <a:r>
+              <a:rPr kumimoji="1" lang="ja-JP" altLang="en-US" dirty="0" smtClean="0"/>
+              <a:t>投稿</a:t>
+            </a:r>
+            <a:endParaRPr kumimoji="1" lang="ja-JP" altLang="en-US" dirty="0"/>
           </a:p>
         </p:txBody>
       </p:sp>
@@ -3947,8 +4350,8 @@
         </p:nvSpPr>
         <p:spPr>
           <a:xfrm>
-            <a:off x="4114800" y="2641600"/>
-            <a:ext cx="368300" cy="772716"/>
+            <a:off x="3873500" y="2641600"/>
+            <a:ext cx="673100" cy="772716"/>
           </a:xfrm>
           <a:prstGeom prst="downArrow">
             <a:avLst/>
@@ -3975,7 +4378,11 @@
           <a:lstStyle/>
           <a:p>
             <a:pPr algn="ctr"/>
-            <a:endParaRPr kumimoji="1" lang="ja-JP" altLang="en-US"/>
+            <a:r>
+              <a:rPr kumimoji="1" lang="ja-JP" altLang="en-US" dirty="0" smtClean="0"/>
+              <a:t>連携</a:t>
+            </a:r>
+            <a:endParaRPr kumimoji="1" lang="ja-JP" altLang="en-US" dirty="0"/>
           </a:p>
         </p:txBody>
       </p:sp>
@@ -3987,7 +4394,7 @@
         </p:nvSpPr>
         <p:spPr>
           <a:xfrm>
-            <a:off x="5016500" y="3644504"/>
+            <a:off x="5016500" y="3635772"/>
             <a:ext cx="1155700" cy="1016000"/>
           </a:xfrm>
           <a:prstGeom prst="rightArrow">
@@ -4013,7 +4420,53 @@
           <a:lstStyle/>
           <a:p>
             <a:pPr algn="ctr"/>
-            <a:endParaRPr kumimoji="1" lang="ja-JP" altLang="en-US"/>
+            <a:r>
+              <a:rPr kumimoji="1" lang="ja-JP" altLang="en-US" dirty="0" smtClean="0"/>
+              <a:t>発信</a:t>
+            </a:r>
+            <a:endParaRPr kumimoji="1" lang="ja-JP" altLang="en-US" dirty="0"/>
+          </a:p>
+        </p:txBody>
+      </p:sp>
+      <p:sp>
+        <p:nvSpPr>
+          <p:cNvPr id="15" name="角丸四角形 14"/>
+          <p:cNvSpPr/>
+          <p:nvPr/>
+        </p:nvSpPr>
+        <p:spPr>
+          <a:xfrm>
+            <a:off x="6172200" y="1474192"/>
+            <a:ext cx="1778000" cy="3313708"/>
+          </a:xfrm>
+          <a:prstGeom prst="roundRect">
+            <a:avLst/>
+          </a:prstGeom>
+        </p:spPr>
+        <p:style>
+          <a:lnRef idx="3">
+            <a:schemeClr val="lt1"/>
+          </a:lnRef>
+          <a:fillRef idx="1">
+            <a:schemeClr val="accent5"/>
+          </a:fillRef>
+          <a:effectRef idx="1">
+            <a:schemeClr val="accent5"/>
+          </a:effectRef>
+          <a:fontRef idx="minor">
+            <a:schemeClr val="lt1"/>
+          </a:fontRef>
+        </p:style>
+        <p:txBody>
+          <a:bodyPr rtlCol="0" anchor="ctr"/>
+          <a:lstStyle/>
+          <a:p>
+            <a:pPr algn="ctr"/>
+            <a:r>
+              <a:rPr lang="ja-JP" altLang="en-US" dirty="0" smtClean="0"/>
+              <a:t>その他のユーザー</a:t>
+            </a:r>
+            <a:endParaRPr kumimoji="1" lang="ja-JP" altLang="en-US" dirty="0"/>
           </a:p>
         </p:txBody>
       </p:sp>
@@ -4056,13 +4509,7 @@
       </p:grpSpPr>
       <p:sp>
         <p:nvSpPr>
-          <p:cNvPr id="2" name="タイトル 1">
-            <a:extLst>
-              <a:ext uri="{FF2B5EF4-FFF2-40B4-BE49-F238E27FC236}">
-                <a16:creationId xmlns:a16="http://schemas.microsoft.com/office/drawing/2014/main" xmlns="" id="{80DBE4F9-E233-394A-BA5A-BC2588DB79BC}"/>
-              </a:ext>
-            </a:extLst>
-          </p:cNvPr>
+          <p:cNvPr id="2" name="タイトル 1"/>
           <p:cNvSpPr>
             <a:spLocks noGrp="1"/>
           </p:cNvSpPr>
@@ -4076,33 +4523,384 @@
           <a:lstStyle/>
           <a:p>
             <a:r>
-              <a:rPr kumimoji="1" lang="ja-JP" altLang="en-US"/>
-              <a:t>システム</a:t>
-            </a:r>
-          </a:p>
-        </p:txBody>
-      </p:sp>
-      <p:sp>
-        <p:nvSpPr>
-          <p:cNvPr id="3" name="コンテンツ プレースホルダー 2">
-            <a:extLst>
-              <a:ext uri="{FF2B5EF4-FFF2-40B4-BE49-F238E27FC236}">
-                <a16:creationId xmlns:a16="http://schemas.microsoft.com/office/drawing/2014/main" xmlns="" id="{0371DA01-F23D-354C-ADCE-908F46C9DD03}"/>
-              </a:ext>
-            </a:extLst>
-          </p:cNvPr>
-          <p:cNvSpPr>
-            <a:spLocks noGrp="1"/>
-          </p:cNvSpPr>
-          <p:nvPr>
-            <p:ph idx="1"/>
-          </p:nvPr>
-        </p:nvSpPr>
-        <p:spPr/>
-        <p:txBody>
-          <a:bodyPr/>
-          <a:lstStyle/>
-          <a:p>
+              <a:rPr kumimoji="1" lang="en-US" altLang="ja-JP" dirty="0" smtClean="0"/>
+              <a:t>OAuth</a:t>
+            </a:r>
+            <a:r>
+              <a:rPr kumimoji="1" lang="ja-JP" altLang="en-US" dirty="0" smtClean="0"/>
+              <a:t>を使用しないと</a:t>
+            </a:r>
+            <a:endParaRPr kumimoji="1" lang="ja-JP" altLang="en-US" dirty="0"/>
+          </a:p>
+        </p:txBody>
+      </p:sp>
+      <p:sp>
+        <p:nvSpPr>
+          <p:cNvPr id="4" name="角丸四角形 3"/>
+          <p:cNvSpPr/>
+          <p:nvPr/>
+        </p:nvSpPr>
+        <p:spPr>
+          <a:xfrm>
+            <a:off x="457200" y="1168400"/>
+            <a:ext cx="1778000" cy="3175000"/>
+          </a:xfrm>
+          <a:prstGeom prst="roundRect">
+            <a:avLst/>
+          </a:prstGeom>
+        </p:spPr>
+        <p:style>
+          <a:lnRef idx="3">
+            <a:schemeClr val="lt1"/>
+          </a:lnRef>
+          <a:fillRef idx="1">
+            <a:schemeClr val="accent5"/>
+          </a:fillRef>
+          <a:effectRef idx="1">
+            <a:schemeClr val="accent5"/>
+          </a:effectRef>
+          <a:fontRef idx="minor">
+            <a:schemeClr val="lt1"/>
+          </a:fontRef>
+        </p:style>
+        <p:txBody>
+          <a:bodyPr rtlCol="0" anchor="ctr"/>
+          <a:lstStyle/>
+          <a:p>
+            <a:pPr algn="ctr"/>
+            <a:r>
+              <a:rPr lang="ja-JP" altLang="en-US" dirty="0" smtClean="0"/>
+              <a:t>ユーザー</a:t>
+            </a:r>
+            <a:endParaRPr kumimoji="1" lang="ja-JP" altLang="en-US" dirty="0"/>
+          </a:p>
+        </p:txBody>
+      </p:sp>
+      <p:sp>
+        <p:nvSpPr>
+          <p:cNvPr id="5" name="角丸四角形 4"/>
+          <p:cNvSpPr/>
+          <p:nvPr/>
+        </p:nvSpPr>
+        <p:spPr>
+          <a:xfrm>
+            <a:off x="3390900" y="1268016"/>
+            <a:ext cx="1625600" cy="1373584"/>
+          </a:xfrm>
+          <a:prstGeom prst="roundRect">
+            <a:avLst/>
+          </a:prstGeom>
+        </p:spPr>
+        <p:style>
+          <a:lnRef idx="2">
+            <a:schemeClr val="accent5">
+              <a:shade val="50000"/>
+            </a:schemeClr>
+          </a:lnRef>
+          <a:fillRef idx="1">
+            <a:schemeClr val="accent5"/>
+          </a:fillRef>
+          <a:effectRef idx="0">
+            <a:schemeClr val="accent5"/>
+          </a:effectRef>
+          <a:fontRef idx="minor">
+            <a:schemeClr val="lt1"/>
+          </a:fontRef>
+        </p:style>
+        <p:txBody>
+          <a:bodyPr rtlCol="0" anchor="ctr"/>
+          <a:lstStyle/>
+          <a:p>
+            <a:pPr algn="ctr"/>
+            <a:r>
+              <a:rPr lang="en-US" altLang="ja-JP" dirty="0" smtClean="0"/>
+              <a:t>Web</a:t>
+            </a:r>
+            <a:r>
+              <a:rPr lang="ja-JP" altLang="en-US" dirty="0" smtClean="0"/>
+              <a:t>サービス</a:t>
+            </a:r>
+            <a:r>
+              <a:rPr lang="en-US" altLang="ja-JP" dirty="0" smtClean="0"/>
+              <a:t/>
+            </a:r>
+            <a:br>
+              <a:rPr lang="en-US" altLang="ja-JP" dirty="0" smtClean="0"/>
+            </a:br>
+            <a:r>
+              <a:rPr lang="en-US" altLang="ja-JP" dirty="0" smtClean="0"/>
+              <a:t>ex </a:t>
+            </a:r>
+            <a:r>
+              <a:rPr lang="ja-JP" altLang="en-US" dirty="0" smtClean="0"/>
+              <a:t>写真投稿アプリ</a:t>
+            </a:r>
+            <a:endParaRPr kumimoji="1" lang="ja-JP" altLang="en-US" dirty="0"/>
+          </a:p>
+        </p:txBody>
+      </p:sp>
+      <p:sp>
+        <p:nvSpPr>
+          <p:cNvPr id="6" name="角丸四角形 5"/>
+          <p:cNvSpPr/>
+          <p:nvPr/>
+        </p:nvSpPr>
+        <p:spPr>
+          <a:xfrm>
+            <a:off x="3378200" y="3170040"/>
+            <a:ext cx="1625600" cy="1373584"/>
+          </a:xfrm>
+          <a:prstGeom prst="roundRect">
+            <a:avLst/>
+          </a:prstGeom>
+        </p:spPr>
+        <p:style>
+          <a:lnRef idx="2">
+            <a:schemeClr val="accent5">
+              <a:shade val="50000"/>
+            </a:schemeClr>
+          </a:lnRef>
+          <a:fillRef idx="1">
+            <a:schemeClr val="accent5"/>
+          </a:fillRef>
+          <a:effectRef idx="0">
+            <a:schemeClr val="accent5"/>
+          </a:effectRef>
+          <a:fontRef idx="minor">
+            <a:schemeClr val="lt1"/>
+          </a:fontRef>
+        </p:style>
+        <p:txBody>
+          <a:bodyPr rtlCol="0" anchor="ctr"/>
+          <a:lstStyle/>
+          <a:p>
+            <a:pPr algn="ctr"/>
+            <a:r>
+              <a:rPr kumimoji="1" lang="en-US" altLang="ja-JP" dirty="0" smtClean="0"/>
+              <a:t>Web</a:t>
+            </a:r>
+            <a:r>
+              <a:rPr kumimoji="1" lang="ja-JP" altLang="en-US" dirty="0" smtClean="0"/>
+              <a:t>サービス</a:t>
+            </a:r>
+            <a:endParaRPr kumimoji="1" lang="en-US" altLang="ja-JP" dirty="0" smtClean="0"/>
+          </a:p>
+          <a:p>
+            <a:pPr algn="ctr"/>
+            <a:r>
+              <a:rPr lang="en-US" altLang="ja-JP" dirty="0" smtClean="0"/>
+              <a:t>ex SNS</a:t>
+            </a:r>
+            <a:endParaRPr kumimoji="1" lang="ja-JP" altLang="en-US" dirty="0"/>
+          </a:p>
+        </p:txBody>
+      </p:sp>
+      <p:sp>
+        <p:nvSpPr>
+          <p:cNvPr id="9" name="右矢印 8"/>
+          <p:cNvSpPr/>
+          <p:nvPr/>
+        </p:nvSpPr>
+        <p:spPr>
+          <a:xfrm>
+            <a:off x="2235200" y="1451670"/>
+            <a:ext cx="1155700" cy="1016000"/>
+          </a:xfrm>
+          <a:prstGeom prst="rightArrow">
+            <a:avLst/>
+          </a:prstGeom>
+        </p:spPr>
+        <p:style>
+          <a:lnRef idx="3">
+            <a:schemeClr val="lt1"/>
+          </a:lnRef>
+          <a:fillRef idx="1">
+            <a:schemeClr val="accent2"/>
+          </a:fillRef>
+          <a:effectRef idx="1">
+            <a:schemeClr val="accent2"/>
+          </a:effectRef>
+          <a:fontRef idx="minor">
+            <a:schemeClr val="lt1"/>
+          </a:fontRef>
+        </p:style>
+        <p:txBody>
+          <a:bodyPr rtlCol="0" anchor="ctr"/>
+          <a:lstStyle/>
+          <a:p>
+            <a:pPr algn="ctr"/>
+            <a:r>
+              <a:rPr kumimoji="1" lang="ja-JP" altLang="en-US" dirty="0" smtClean="0"/>
+              <a:t>投稿</a:t>
+            </a:r>
+            <a:endParaRPr kumimoji="1" lang="ja-JP" altLang="en-US" dirty="0"/>
+          </a:p>
+        </p:txBody>
+      </p:sp>
+      <p:sp>
+        <p:nvSpPr>
+          <p:cNvPr id="11" name="右矢印 10"/>
+          <p:cNvSpPr/>
+          <p:nvPr/>
+        </p:nvSpPr>
+        <p:spPr>
+          <a:xfrm>
+            <a:off x="5016500" y="3323432"/>
+            <a:ext cx="1155700" cy="1016000"/>
+          </a:xfrm>
+          <a:prstGeom prst="rightArrow">
+            <a:avLst/>
+          </a:prstGeom>
+        </p:spPr>
+        <p:style>
+          <a:lnRef idx="3">
+            <a:schemeClr val="lt1"/>
+          </a:lnRef>
+          <a:fillRef idx="1">
+            <a:schemeClr val="accent2"/>
+          </a:fillRef>
+          <a:effectRef idx="1">
+            <a:schemeClr val="accent2"/>
+          </a:effectRef>
+          <a:fontRef idx="minor">
+            <a:schemeClr val="lt1"/>
+          </a:fontRef>
+        </p:style>
+        <p:txBody>
+          <a:bodyPr rtlCol="0" anchor="ctr"/>
+          <a:lstStyle/>
+          <a:p>
+            <a:pPr algn="ctr"/>
+            <a:r>
+              <a:rPr kumimoji="1" lang="ja-JP" altLang="en-US" dirty="0" smtClean="0"/>
+              <a:t>発信</a:t>
+            </a:r>
+            <a:endParaRPr kumimoji="1" lang="ja-JP" altLang="en-US" dirty="0"/>
+          </a:p>
+        </p:txBody>
+      </p:sp>
+      <p:sp>
+        <p:nvSpPr>
+          <p:cNvPr id="15" name="角丸四角形 14"/>
+          <p:cNvSpPr/>
+          <p:nvPr/>
+        </p:nvSpPr>
+        <p:spPr>
+          <a:xfrm>
+            <a:off x="6172200" y="1168400"/>
+            <a:ext cx="1778000" cy="3313708"/>
+          </a:xfrm>
+          <a:prstGeom prst="roundRect">
+            <a:avLst/>
+          </a:prstGeom>
+        </p:spPr>
+        <p:style>
+          <a:lnRef idx="3">
+            <a:schemeClr val="lt1"/>
+          </a:lnRef>
+          <a:fillRef idx="1">
+            <a:schemeClr val="accent5"/>
+          </a:fillRef>
+          <a:effectRef idx="1">
+            <a:schemeClr val="accent5"/>
+          </a:effectRef>
+          <a:fontRef idx="minor">
+            <a:schemeClr val="lt1"/>
+          </a:fontRef>
+        </p:style>
+        <p:txBody>
+          <a:bodyPr rtlCol="0" anchor="ctr"/>
+          <a:lstStyle/>
+          <a:p>
+            <a:pPr algn="ctr"/>
+            <a:r>
+              <a:rPr lang="ja-JP" altLang="en-US" dirty="0" smtClean="0"/>
+              <a:t>その他のユーザー</a:t>
+            </a:r>
+            <a:endParaRPr kumimoji="1" lang="ja-JP" altLang="en-US" dirty="0"/>
+          </a:p>
+        </p:txBody>
+      </p:sp>
+      <p:sp>
+        <p:nvSpPr>
+          <p:cNvPr id="12" name="右矢印 11"/>
+          <p:cNvSpPr/>
+          <p:nvPr/>
+        </p:nvSpPr>
+        <p:spPr>
+          <a:xfrm>
+            <a:off x="2222500" y="3348832"/>
+            <a:ext cx="1155700" cy="1016000"/>
+          </a:xfrm>
+          <a:prstGeom prst="rightArrow">
+            <a:avLst/>
+          </a:prstGeom>
+        </p:spPr>
+        <p:style>
+          <a:lnRef idx="3">
+            <a:schemeClr val="lt1"/>
+          </a:lnRef>
+          <a:fillRef idx="1">
+            <a:schemeClr val="accent2"/>
+          </a:fillRef>
+          <a:effectRef idx="1">
+            <a:schemeClr val="accent2"/>
+          </a:effectRef>
+          <a:fontRef idx="minor">
+            <a:schemeClr val="lt1"/>
+          </a:fontRef>
+        </p:style>
+        <p:txBody>
+          <a:bodyPr rtlCol="0" anchor="ctr"/>
+          <a:lstStyle/>
+          <a:p>
+            <a:pPr algn="ctr"/>
+            <a:r>
+              <a:rPr kumimoji="1" lang="ja-JP" altLang="en-US" dirty="0" smtClean="0"/>
+              <a:t>投稿</a:t>
+            </a:r>
+            <a:endParaRPr kumimoji="1" lang="ja-JP" altLang="en-US" dirty="0"/>
+          </a:p>
+        </p:txBody>
+      </p:sp>
+      <p:sp>
+        <p:nvSpPr>
+          <p:cNvPr id="13" name="右矢印 12"/>
+          <p:cNvSpPr/>
+          <p:nvPr/>
+        </p:nvSpPr>
+        <p:spPr>
+          <a:xfrm>
+            <a:off x="5016500" y="1451670"/>
+            <a:ext cx="1155700" cy="1016000"/>
+          </a:xfrm>
+          <a:prstGeom prst="rightArrow">
+            <a:avLst/>
+          </a:prstGeom>
+        </p:spPr>
+        <p:style>
+          <a:lnRef idx="3">
+            <a:schemeClr val="lt1"/>
+          </a:lnRef>
+          <a:fillRef idx="1">
+            <a:schemeClr val="accent2"/>
+          </a:fillRef>
+          <a:effectRef idx="1">
+            <a:schemeClr val="accent2"/>
+          </a:effectRef>
+          <a:fontRef idx="minor">
+            <a:schemeClr val="lt1"/>
+          </a:fontRef>
+        </p:style>
+        <p:txBody>
+          <a:bodyPr rtlCol="0" anchor="ctr"/>
+          <a:lstStyle/>
+          <a:p>
+            <a:pPr algn="ctr"/>
+            <a:r>
+              <a:rPr kumimoji="1" lang="ja-JP" altLang="en-US" dirty="0" smtClean="0"/>
+              <a:t>発信</a:t>
+            </a:r>
             <a:endParaRPr kumimoji="1" lang="ja-JP" altLang="en-US" dirty="0"/>
           </a:p>
         </p:txBody>
@@ -4110,7 +4908,7 @@
     </p:spTree>
     <p:extLst>
       <p:ext uri="{BB962C8B-B14F-4D97-AF65-F5344CB8AC3E}">
-        <p14:creationId xmlns:p14="http://schemas.microsoft.com/office/powerpoint/2010/main" val="2388633898"/>
+        <p14:creationId xmlns:p14="http://schemas.microsoft.com/office/powerpoint/2010/main" val="1028063647"/>
       </p:ext>
     </p:extLst>
   </p:cSld>
@@ -4146,13 +4944,7 @@
       </p:grpSpPr>
       <p:sp>
         <p:nvSpPr>
-          <p:cNvPr id="2" name="タイトル 1">
-            <a:extLst>
-              <a:ext uri="{FF2B5EF4-FFF2-40B4-BE49-F238E27FC236}">
-                <a16:creationId xmlns:a16="http://schemas.microsoft.com/office/drawing/2014/main" xmlns="" id="{A7E07DC4-64D1-054F-A040-A3860652E9D8}"/>
-              </a:ext>
-            </a:extLst>
-          </p:cNvPr>
+          <p:cNvPr id="2" name="タイトル 1"/>
           <p:cNvSpPr>
             <a:spLocks noGrp="1"/>
           </p:cNvSpPr>
@@ -4166,22 +4958,20 @@
           <a:lstStyle/>
           <a:p>
             <a:r>
-              <a:rPr lang="ja-JP" altLang="en-US"/>
-              <a:t>まとめ</a:t>
-            </a:r>
-            <a:endParaRPr kumimoji="1" lang="ja-JP" altLang="en-US"/>
-          </a:p>
-        </p:txBody>
-      </p:sp>
-      <p:sp>
-        <p:nvSpPr>
-          <p:cNvPr id="3" name="コンテンツ プレースホルダー 2">
-            <a:extLst>
-              <a:ext uri="{FF2B5EF4-FFF2-40B4-BE49-F238E27FC236}">
-                <a16:creationId xmlns:a16="http://schemas.microsoft.com/office/drawing/2014/main" xmlns="" id="{B5784928-8E1D-5847-8756-7BDD7169986A}"/>
-              </a:ext>
-            </a:extLst>
-          </p:cNvPr>
+              <a:rPr kumimoji="1" lang="en-US" altLang="ja-JP" dirty="0" smtClean="0"/>
+              <a:t>OAuth</a:t>
+            </a:r>
+            <a:r>
+              <a:rPr kumimoji="1" lang="ja-JP" altLang="en-US" dirty="0" smtClean="0"/>
+              <a:t>認証</a:t>
+            </a:r>
+            <a:endParaRPr kumimoji="1" lang="ja-JP" altLang="en-US" dirty="0"/>
+          </a:p>
+        </p:txBody>
+      </p:sp>
+      <p:sp useBgFill="1">
+        <p:nvSpPr>
+          <p:cNvPr id="3" name="コンテンツ プレースホルダー 2"/>
           <p:cNvSpPr>
             <a:spLocks noGrp="1"/>
           </p:cNvSpPr>
@@ -4194,20 +4984,87 @@
           <a:bodyPr/>
           <a:lstStyle/>
           <a:p>
-            <a:endParaRPr kumimoji="1" lang="ja-JP" altLang="en-US"/>
+            <a:pPr marL="457200" indent="-457200">
+              <a:buFont typeface="+mj-lt"/>
+              <a:buAutoNum type="arabicPeriod"/>
+            </a:pPr>
+            <a:r>
+              <a:rPr lang="en-US" altLang="ja-JP" dirty="0" smtClean="0"/>
+              <a:t>LMS</a:t>
+            </a:r>
+            <a:r>
+              <a:rPr lang="ja-JP" altLang="en-US" dirty="0" smtClean="0"/>
+              <a:t>から送信されたパラメータ、外部ツール設定で決めた鍵を頼りに暗号を作成</a:t>
+            </a:r>
+            <a:endParaRPr lang="en-US" altLang="ja-JP" dirty="0" smtClean="0"/>
+          </a:p>
+          <a:p>
+            <a:pPr marL="457200" indent="-457200">
+              <a:buFont typeface="+mj-lt"/>
+              <a:buAutoNum type="arabicPeriod"/>
+            </a:pPr>
+            <a:r>
+              <a:rPr lang="en-US" altLang="ja-JP" dirty="0" smtClean="0"/>
+              <a:t>LMS</a:t>
+            </a:r>
+            <a:r>
+              <a:rPr lang="ja-JP" altLang="en-US" dirty="0" smtClean="0"/>
+              <a:t>から送られた暗号と、</a:t>
+            </a:r>
+            <a:r>
+              <a:rPr lang="en-US" altLang="ja-JP" dirty="0" smtClean="0"/>
+              <a:t>1</a:t>
+            </a:r>
+            <a:r>
+              <a:rPr lang="ja-JP" altLang="en-US" dirty="0" smtClean="0"/>
+              <a:t>の手順で作った暗号が一致すれば通信を開始</a:t>
+            </a:r>
+            <a:endParaRPr lang="en-US" altLang="ja-JP" dirty="0" smtClean="0"/>
+          </a:p>
+          <a:p>
+            <a:pPr marL="457200" indent="-457200">
+              <a:buFont typeface="+mj-lt"/>
+              <a:buAutoNum type="arabicPeriod"/>
+            </a:pPr>
+            <a:endParaRPr lang="en-US" altLang="ja-JP" dirty="0"/>
+          </a:p>
+          <a:p>
+            <a:pPr marL="0" indent="0">
+              <a:buNone/>
+            </a:pPr>
+            <a:r>
+              <a:rPr kumimoji="1" lang="ja-JP" altLang="en-US" dirty="0" smtClean="0"/>
+              <a:t>本研究では、暗号を生成する関数を</a:t>
+            </a:r>
+            <a:r>
+              <a:rPr kumimoji="1" lang="en-US" altLang="ja-JP" dirty="0" smtClean="0"/>
+              <a:t>Ruby</a:t>
+            </a:r>
+            <a:r>
+              <a:rPr kumimoji="1" lang="ja-JP" altLang="en-US" dirty="0" smtClean="0"/>
+              <a:t>で自作し、実装した。</a:t>
+            </a:r>
+            <a:endParaRPr kumimoji="1" lang="en-US" altLang="ja-JP" dirty="0" smtClean="0"/>
           </a:p>
         </p:txBody>
       </p:sp>
     </p:spTree>
     <p:extLst>
       <p:ext uri="{BB962C8B-B14F-4D97-AF65-F5344CB8AC3E}">
-        <p14:creationId xmlns:p14="http://schemas.microsoft.com/office/powerpoint/2010/main" val="153899901"/>
+        <p14:creationId xmlns:p14="http://schemas.microsoft.com/office/powerpoint/2010/main" val="475699209"/>
       </p:ext>
     </p:extLst>
   </p:cSld>
   <p:clrMapOvr>
     <a:masterClrMapping/>
   </p:clrMapOvr>
+  <p:timing>
+    <p:tnLst>
+      <p:par>
+        <p:cTn id="1" dur="indefinite" restart="never" nodeType="tmRoot"/>
+      </p:par>
+    </p:tnLst>
+  </p:timing>
 </p:sld>
 </file>
 
@@ -4230,67 +5087,742 @@
       </p:grpSpPr>
       <p:sp>
         <p:nvSpPr>
-          <p:cNvPr id="2" name="タイトル 1">
+          <p:cNvPr id="2" name="タイトル 1"/>
+          <p:cNvSpPr>
+            <a:spLocks noGrp="1"/>
+          </p:cNvSpPr>
+          <p:nvPr>
+            <p:ph type="title"/>
+          </p:nvPr>
+        </p:nvSpPr>
+        <p:spPr/>
+        <p:txBody>
+          <a:bodyPr/>
+          <a:lstStyle/>
+          <a:p>
+            <a:r>
+              <a:rPr kumimoji="1" lang="en-US" altLang="ja-JP" dirty="0" smtClean="0"/>
+              <a:t>LMS</a:t>
+            </a:r>
+            <a:r>
+              <a:rPr kumimoji="1" lang="ja-JP" altLang="en-US" dirty="0" smtClean="0"/>
+              <a:t>でのツール呼び出し</a:t>
+            </a:r>
+            <a:endParaRPr kumimoji="1" lang="ja-JP" altLang="en-US" dirty="0"/>
+          </a:p>
+        </p:txBody>
+      </p:sp>
+      <p:pic>
+        <p:nvPicPr>
+          <p:cNvPr id="4" name="コンテンツ プレースホルダー 3"/>
+          <p:cNvPicPr>
+            <a:picLocks noGrp="1" noChangeAspect="1"/>
+          </p:cNvPicPr>
+          <p:nvPr>
+            <p:ph idx="1"/>
+          </p:nvPr>
+        </p:nvPicPr>
+        <p:blipFill>
+          <a:blip r:embed="rId2">
             <a:extLst>
-              <a:ext uri="{FF2B5EF4-FFF2-40B4-BE49-F238E27FC236}">
-                <a16:creationId xmlns:a16="http://schemas.microsoft.com/office/drawing/2014/main" xmlns="" id="{727964B9-F841-CE4A-9464-9A3EBC6C2DD7}"/>
+              <a:ext uri="{28A0092B-C50C-407E-A947-70E740481C1C}">
+                <a14:useLocalDpi xmlns:a14="http://schemas.microsoft.com/office/drawing/2010/main" val="0"/>
               </a:ext>
             </a:extLst>
-          </p:cNvPr>
-          <p:cNvSpPr>
-            <a:spLocks noGrp="1"/>
-          </p:cNvSpPr>
-          <p:nvPr>
-            <p:ph type="title"/>
-          </p:nvPr>
-        </p:nvSpPr>
-        <p:spPr/>
-        <p:txBody>
-          <a:bodyPr/>
-          <a:lstStyle/>
-          <a:p>
-            <a:r>
-              <a:rPr kumimoji="1" lang="ja-JP" altLang="en-US"/>
-              <a:t>課題</a:t>
-            </a:r>
-          </a:p>
-        </p:txBody>
-      </p:sp>
-      <p:sp>
-        <p:nvSpPr>
-          <p:cNvPr id="3" name="コンテンツ プレースホルダー 2">
-            <a:extLst>
-              <a:ext uri="{FF2B5EF4-FFF2-40B4-BE49-F238E27FC236}">
-                <a16:creationId xmlns:a16="http://schemas.microsoft.com/office/drawing/2014/main" xmlns="" id="{D17C71C4-D57D-4949-95C6-A7398BD521B9}"/>
-              </a:ext>
-            </a:extLst>
-          </p:cNvPr>
-          <p:cNvSpPr>
-            <a:spLocks noGrp="1"/>
-          </p:cNvSpPr>
-          <p:nvPr>
-            <p:ph idx="1"/>
-          </p:nvPr>
-        </p:nvSpPr>
-        <p:spPr/>
-        <p:txBody>
-          <a:bodyPr/>
-          <a:lstStyle/>
-          <a:p>
-            <a:endParaRPr kumimoji="1" lang="ja-JP" altLang="en-US"/>
-          </a:p>
-        </p:txBody>
-      </p:sp>
+          </a:blip>
+          <a:stretch>
+            <a:fillRect/>
+          </a:stretch>
+        </p:blipFill>
+        <p:spPr>
+          <a:xfrm>
+            <a:off x="928604" y="1370013"/>
+            <a:ext cx="7286792" cy="3262312"/>
+          </a:xfrm>
+        </p:spPr>
+      </p:pic>
     </p:spTree>
     <p:extLst>
       <p:ext uri="{BB962C8B-B14F-4D97-AF65-F5344CB8AC3E}">
-        <p14:creationId xmlns:p14="http://schemas.microsoft.com/office/powerpoint/2010/main" val="2577130232"/>
+        <p14:creationId xmlns:p14="http://schemas.microsoft.com/office/powerpoint/2010/main" val="2054302652"/>
       </p:ext>
     </p:extLst>
   </p:cSld>
   <p:clrMapOvr>
     <a:masterClrMapping/>
   </p:clrMapOvr>
+  <p:timing>
+    <p:tnLst>
+      <p:par>
+        <p:cTn id="1" dur="indefinite" restart="never" nodeType="tmRoot"/>
+      </p:par>
+    </p:tnLst>
+  </p:timing>
+</p:sld>
+</file>
+
+<file path=ppt/slides/slide17.xml><?xml version="1.0" encoding="utf-8"?>
+<p:sld xmlns:a="http://schemas.openxmlformats.org/drawingml/2006/main" xmlns:r="http://schemas.openxmlformats.org/officeDocument/2006/relationships" xmlns:p="http://schemas.openxmlformats.org/presentationml/2006/main">
+  <p:cSld>
+    <p:spTree>
+      <p:nvGrpSpPr>
+        <p:cNvPr id="1" name=""/>
+        <p:cNvGrpSpPr/>
+        <p:nvPr/>
+      </p:nvGrpSpPr>
+      <p:grpSpPr>
+        <a:xfrm>
+          <a:off x="0" y="0"/>
+          <a:ext cx="0" cy="0"/>
+          <a:chOff x="0" y="0"/>
+          <a:chExt cx="0" cy="0"/>
+        </a:xfrm>
+      </p:grpSpPr>
+      <p:sp>
+        <p:nvSpPr>
+          <p:cNvPr id="2" name="タイトル 1"/>
+          <p:cNvSpPr>
+            <a:spLocks noGrp="1"/>
+          </p:cNvSpPr>
+          <p:nvPr>
+            <p:ph type="title"/>
+          </p:nvPr>
+        </p:nvSpPr>
+        <p:spPr/>
+        <p:txBody>
+          <a:bodyPr/>
+          <a:lstStyle/>
+          <a:p>
+            <a:r>
+              <a:rPr kumimoji="1" lang="ja-JP" altLang="en-US" dirty="0" smtClean="0"/>
+              <a:t>成績反映</a:t>
+            </a:r>
+            <a:endParaRPr kumimoji="1" lang="ja-JP" altLang="en-US" dirty="0"/>
+          </a:p>
+        </p:txBody>
+      </p:sp>
+      <p:sp>
+        <p:nvSpPr>
+          <p:cNvPr id="4" name="角丸四角形 3"/>
+          <p:cNvSpPr/>
+          <p:nvPr/>
+        </p:nvSpPr>
+        <p:spPr>
+          <a:xfrm>
+            <a:off x="190500" y="1268016"/>
+            <a:ext cx="2444750" cy="3723084"/>
+          </a:xfrm>
+          <a:prstGeom prst="roundRect">
+            <a:avLst/>
+          </a:prstGeom>
+        </p:spPr>
+        <p:style>
+          <a:lnRef idx="2">
+            <a:schemeClr val="accent1">
+              <a:shade val="50000"/>
+            </a:schemeClr>
+          </a:lnRef>
+          <a:fillRef idx="1">
+            <a:schemeClr val="accent1"/>
+          </a:fillRef>
+          <a:effectRef idx="0">
+            <a:schemeClr val="accent1"/>
+          </a:effectRef>
+          <a:fontRef idx="minor">
+            <a:schemeClr val="lt1"/>
+          </a:fontRef>
+        </p:style>
+        <p:txBody>
+          <a:bodyPr rtlCol="0" anchor="ctr"/>
+          <a:lstStyle/>
+          <a:p>
+            <a:pPr algn="ctr"/>
+            <a:r>
+              <a:rPr kumimoji="1" lang="en-US" altLang="ja-JP" sz="4800" dirty="0" smtClean="0"/>
+              <a:t>LMS</a:t>
+            </a:r>
+            <a:endParaRPr kumimoji="1" lang="ja-JP" altLang="en-US" sz="4800" dirty="0"/>
+          </a:p>
+        </p:txBody>
+      </p:sp>
+      <p:sp>
+        <p:nvSpPr>
+          <p:cNvPr id="5" name="角丸四角形 4"/>
+          <p:cNvSpPr/>
+          <p:nvPr/>
+        </p:nvSpPr>
+        <p:spPr>
+          <a:xfrm>
+            <a:off x="6508750" y="1268016"/>
+            <a:ext cx="2444750" cy="3723084"/>
+          </a:xfrm>
+          <a:prstGeom prst="roundRect">
+            <a:avLst/>
+          </a:prstGeom>
+        </p:spPr>
+        <p:style>
+          <a:lnRef idx="2">
+            <a:schemeClr val="accent1">
+              <a:shade val="50000"/>
+            </a:schemeClr>
+          </a:lnRef>
+          <a:fillRef idx="1">
+            <a:schemeClr val="accent1"/>
+          </a:fillRef>
+          <a:effectRef idx="0">
+            <a:schemeClr val="accent1"/>
+          </a:effectRef>
+          <a:fontRef idx="minor">
+            <a:schemeClr val="lt1"/>
+          </a:fontRef>
+        </p:style>
+        <p:txBody>
+          <a:bodyPr rtlCol="0" anchor="ctr"/>
+          <a:lstStyle/>
+          <a:p>
+            <a:pPr algn="ctr"/>
+            <a:r>
+              <a:rPr kumimoji="1" lang="en-US" altLang="ja-JP" sz="4400" dirty="0" smtClean="0"/>
+              <a:t>Tool</a:t>
+            </a:r>
+            <a:endParaRPr kumimoji="1" lang="ja-JP" altLang="en-US" sz="4400" dirty="0"/>
+          </a:p>
+        </p:txBody>
+      </p:sp>
+      <p:sp>
+        <p:nvSpPr>
+          <p:cNvPr id="6" name="右矢印 5"/>
+          <p:cNvSpPr/>
+          <p:nvPr/>
+        </p:nvSpPr>
+        <p:spPr>
+          <a:xfrm>
+            <a:off x="2679700" y="1892300"/>
+            <a:ext cx="3829050" cy="711200"/>
+          </a:xfrm>
+          <a:prstGeom prst="rightArrow">
+            <a:avLst/>
+          </a:prstGeom>
+        </p:spPr>
+        <p:style>
+          <a:lnRef idx="2">
+            <a:schemeClr val="accent2">
+              <a:shade val="50000"/>
+            </a:schemeClr>
+          </a:lnRef>
+          <a:fillRef idx="1">
+            <a:schemeClr val="accent2"/>
+          </a:fillRef>
+          <a:effectRef idx="0">
+            <a:schemeClr val="accent2"/>
+          </a:effectRef>
+          <a:fontRef idx="minor">
+            <a:schemeClr val="lt1"/>
+          </a:fontRef>
+        </p:style>
+        <p:txBody>
+          <a:bodyPr rtlCol="0" anchor="ctr"/>
+          <a:lstStyle/>
+          <a:p>
+            <a:pPr algn="ctr"/>
+            <a:endParaRPr kumimoji="1" lang="ja-JP" altLang="en-US"/>
+          </a:p>
+        </p:txBody>
+      </p:sp>
+      <p:sp>
+        <p:nvSpPr>
+          <p:cNvPr id="7" name="テキスト ボックス 6"/>
+          <p:cNvSpPr txBox="1"/>
+          <p:nvPr/>
+        </p:nvSpPr>
+        <p:spPr>
+          <a:xfrm>
+            <a:off x="2787650" y="1384469"/>
+            <a:ext cx="3568700" cy="507831"/>
+          </a:xfrm>
+          <a:prstGeom prst="rect">
+            <a:avLst/>
+          </a:prstGeom>
+          <a:noFill/>
+        </p:spPr>
+        <p:txBody>
+          <a:bodyPr wrap="square" rtlCol="0">
+            <a:spAutoFit/>
+          </a:bodyPr>
+          <a:lstStyle/>
+          <a:p>
+            <a:r>
+              <a:rPr lang="ja-JP" altLang="en-US" dirty="0" smtClean="0"/>
+              <a:t>「</a:t>
+            </a:r>
+            <a:r>
+              <a:rPr lang="en-US" altLang="ja-JP" dirty="0" err="1" smtClean="0"/>
+              <a:t>lis_outcome_service_url</a:t>
+            </a:r>
+            <a:r>
+              <a:rPr lang="ja-JP" altLang="en-US" dirty="0" smtClean="0"/>
+              <a:t>」、</a:t>
+            </a:r>
+            <a:r>
+              <a:rPr lang="ja-JP" altLang="en-US" dirty="0"/>
+              <a:t>「</a:t>
+            </a:r>
+            <a:r>
+              <a:rPr lang="en-US" altLang="ja-JP" dirty="0" err="1" smtClean="0"/>
+              <a:t>lis</a:t>
+            </a:r>
+            <a:r>
+              <a:rPr lang="en-US" altLang="ja-JP" dirty="0" err="1"/>
+              <a:t>_</a:t>
+            </a:r>
+            <a:r>
+              <a:rPr lang="en-US" altLang="ja-JP" dirty="0" err="1" smtClean="0"/>
+              <a:t>result</a:t>
+            </a:r>
+            <a:r>
+              <a:rPr lang="en-US" altLang="ja-JP" dirty="0" smtClean="0"/>
+              <a:t> </a:t>
+            </a:r>
+            <a:r>
+              <a:rPr lang="en-US" altLang="ja-JP" dirty="0" err="1"/>
+              <a:t>sourcedid</a:t>
+            </a:r>
+            <a:r>
+              <a:rPr lang="ja-JP" altLang="en-US" dirty="0" smtClean="0"/>
+              <a:t>」などを送信</a:t>
+            </a:r>
+            <a:endParaRPr lang="en-US" altLang="ja-JP" dirty="0"/>
+          </a:p>
+        </p:txBody>
+      </p:sp>
+    </p:spTree>
+    <p:extLst>
+      <p:ext uri="{BB962C8B-B14F-4D97-AF65-F5344CB8AC3E}">
+        <p14:creationId xmlns:p14="http://schemas.microsoft.com/office/powerpoint/2010/main" val="1842291898"/>
+      </p:ext>
+    </p:extLst>
+  </p:cSld>
+  <p:clrMapOvr>
+    <a:masterClrMapping/>
+  </p:clrMapOvr>
+  <p:timing>
+    <p:tnLst>
+      <p:par>
+        <p:cTn id="1" dur="indefinite" restart="never" nodeType="tmRoot"/>
+      </p:par>
+    </p:tnLst>
+  </p:timing>
+</p:sld>
+</file>
+
+<file path=ppt/slides/slide18.xml><?xml version="1.0" encoding="utf-8"?>
+<p:sld xmlns:a="http://schemas.openxmlformats.org/drawingml/2006/main" xmlns:r="http://schemas.openxmlformats.org/officeDocument/2006/relationships" xmlns:p="http://schemas.openxmlformats.org/presentationml/2006/main">
+  <p:cSld>
+    <p:spTree>
+      <p:nvGrpSpPr>
+        <p:cNvPr id="1" name=""/>
+        <p:cNvGrpSpPr/>
+        <p:nvPr/>
+      </p:nvGrpSpPr>
+      <p:grpSpPr>
+        <a:xfrm>
+          <a:off x="0" y="0"/>
+          <a:ext cx="0" cy="0"/>
+          <a:chOff x="0" y="0"/>
+          <a:chExt cx="0" cy="0"/>
+        </a:xfrm>
+      </p:grpSpPr>
+      <p:sp>
+        <p:nvSpPr>
+          <p:cNvPr id="2" name="タイトル 1"/>
+          <p:cNvSpPr>
+            <a:spLocks noGrp="1"/>
+          </p:cNvSpPr>
+          <p:nvPr>
+            <p:ph type="title"/>
+          </p:nvPr>
+        </p:nvSpPr>
+        <p:spPr/>
+        <p:txBody>
+          <a:bodyPr/>
+          <a:lstStyle/>
+          <a:p>
+            <a:r>
+              <a:rPr kumimoji="1" lang="ja-JP" altLang="en-US" dirty="0" smtClean="0"/>
+              <a:t>成績反映</a:t>
+            </a:r>
+            <a:endParaRPr kumimoji="1" lang="ja-JP" altLang="en-US" dirty="0"/>
+          </a:p>
+        </p:txBody>
+      </p:sp>
+      <p:sp>
+        <p:nvSpPr>
+          <p:cNvPr id="4" name="角丸四角形 3"/>
+          <p:cNvSpPr/>
+          <p:nvPr/>
+        </p:nvSpPr>
+        <p:spPr>
+          <a:xfrm>
+            <a:off x="190500" y="1268016"/>
+            <a:ext cx="2444750" cy="3723084"/>
+          </a:xfrm>
+          <a:prstGeom prst="roundRect">
+            <a:avLst/>
+          </a:prstGeom>
+        </p:spPr>
+        <p:style>
+          <a:lnRef idx="2">
+            <a:schemeClr val="accent1">
+              <a:shade val="50000"/>
+            </a:schemeClr>
+          </a:lnRef>
+          <a:fillRef idx="1">
+            <a:schemeClr val="accent1"/>
+          </a:fillRef>
+          <a:effectRef idx="0">
+            <a:schemeClr val="accent1"/>
+          </a:effectRef>
+          <a:fontRef idx="minor">
+            <a:schemeClr val="lt1"/>
+          </a:fontRef>
+        </p:style>
+        <p:txBody>
+          <a:bodyPr rtlCol="0" anchor="ctr"/>
+          <a:lstStyle/>
+          <a:p>
+            <a:pPr algn="ctr"/>
+            <a:r>
+              <a:rPr kumimoji="1" lang="en-US" altLang="ja-JP" sz="4800" dirty="0" smtClean="0"/>
+              <a:t>LMS</a:t>
+            </a:r>
+            <a:endParaRPr kumimoji="1" lang="ja-JP" altLang="en-US" sz="4800" dirty="0"/>
+          </a:p>
+        </p:txBody>
+      </p:sp>
+      <p:sp>
+        <p:nvSpPr>
+          <p:cNvPr id="5" name="角丸四角形 4"/>
+          <p:cNvSpPr/>
+          <p:nvPr/>
+        </p:nvSpPr>
+        <p:spPr>
+          <a:xfrm>
+            <a:off x="6508750" y="1268016"/>
+            <a:ext cx="2444750" cy="3723084"/>
+          </a:xfrm>
+          <a:prstGeom prst="roundRect">
+            <a:avLst/>
+          </a:prstGeom>
+        </p:spPr>
+        <p:style>
+          <a:lnRef idx="2">
+            <a:schemeClr val="accent1">
+              <a:shade val="50000"/>
+            </a:schemeClr>
+          </a:lnRef>
+          <a:fillRef idx="1">
+            <a:schemeClr val="accent1"/>
+          </a:fillRef>
+          <a:effectRef idx="0">
+            <a:schemeClr val="accent1"/>
+          </a:effectRef>
+          <a:fontRef idx="minor">
+            <a:schemeClr val="lt1"/>
+          </a:fontRef>
+        </p:style>
+        <p:txBody>
+          <a:bodyPr rtlCol="0" anchor="ctr"/>
+          <a:lstStyle/>
+          <a:p>
+            <a:pPr algn="ctr"/>
+            <a:r>
+              <a:rPr kumimoji="1" lang="en-US" altLang="ja-JP" sz="4400" dirty="0" smtClean="0"/>
+              <a:t>Tool</a:t>
+            </a:r>
+            <a:endParaRPr kumimoji="1" lang="ja-JP" altLang="en-US" sz="4400" dirty="0"/>
+          </a:p>
+        </p:txBody>
+      </p:sp>
+      <p:sp>
+        <p:nvSpPr>
+          <p:cNvPr id="8" name="テキスト ボックス 7"/>
+          <p:cNvSpPr txBox="1"/>
+          <p:nvPr/>
+        </p:nvSpPr>
+        <p:spPr>
+          <a:xfrm>
+            <a:off x="5133223" y="770930"/>
+            <a:ext cx="3820277" cy="507831"/>
+          </a:xfrm>
+          <a:prstGeom prst="rect">
+            <a:avLst/>
+          </a:prstGeom>
+          <a:noFill/>
+        </p:spPr>
+        <p:txBody>
+          <a:bodyPr wrap="none" rtlCol="0">
+            <a:spAutoFit/>
+          </a:bodyPr>
+          <a:lstStyle/>
+          <a:p>
+            <a:r>
+              <a:rPr kumimoji="1" lang="ja-JP" altLang="en-US" dirty="0" smtClean="0"/>
+              <a:t>送られてきた情報の正誤を確かめ、</a:t>
+            </a:r>
+            <a:endParaRPr kumimoji="1" lang="en-US" altLang="ja-JP" dirty="0" smtClean="0"/>
+          </a:p>
+          <a:p>
+            <a:r>
+              <a:rPr kumimoji="1" lang="ja-JP" altLang="en-US" dirty="0" smtClean="0"/>
+              <a:t>それを元にツール内での行動を適切な値に代入</a:t>
+            </a:r>
+            <a:endParaRPr kumimoji="1" lang="ja-JP" altLang="en-US" dirty="0"/>
+          </a:p>
+        </p:txBody>
+      </p:sp>
+    </p:spTree>
+    <p:extLst>
+      <p:ext uri="{BB962C8B-B14F-4D97-AF65-F5344CB8AC3E}">
+        <p14:creationId xmlns:p14="http://schemas.microsoft.com/office/powerpoint/2010/main" val="175873906"/>
+      </p:ext>
+    </p:extLst>
+  </p:cSld>
+  <p:clrMapOvr>
+    <a:masterClrMapping/>
+  </p:clrMapOvr>
+  <p:timing>
+    <p:tnLst>
+      <p:par>
+        <p:cTn id="1" dur="indefinite" restart="never" nodeType="tmRoot"/>
+      </p:par>
+    </p:tnLst>
+  </p:timing>
+</p:sld>
+</file>
+
+<file path=ppt/slides/slide19.xml><?xml version="1.0" encoding="utf-8"?>
+<p:sld xmlns:a="http://schemas.openxmlformats.org/drawingml/2006/main" xmlns:r="http://schemas.openxmlformats.org/officeDocument/2006/relationships" xmlns:p="http://schemas.openxmlformats.org/presentationml/2006/main">
+  <p:cSld>
+    <p:spTree>
+      <p:nvGrpSpPr>
+        <p:cNvPr id="1" name=""/>
+        <p:cNvGrpSpPr/>
+        <p:nvPr/>
+      </p:nvGrpSpPr>
+      <p:grpSpPr>
+        <a:xfrm>
+          <a:off x="0" y="0"/>
+          <a:ext cx="0" cy="0"/>
+          <a:chOff x="0" y="0"/>
+          <a:chExt cx="0" cy="0"/>
+        </a:xfrm>
+      </p:grpSpPr>
+      <p:sp>
+        <p:nvSpPr>
+          <p:cNvPr id="2" name="タイトル 1"/>
+          <p:cNvSpPr>
+            <a:spLocks noGrp="1"/>
+          </p:cNvSpPr>
+          <p:nvPr>
+            <p:ph type="title"/>
+          </p:nvPr>
+        </p:nvSpPr>
+        <p:spPr/>
+        <p:txBody>
+          <a:bodyPr/>
+          <a:lstStyle/>
+          <a:p>
+            <a:r>
+              <a:rPr kumimoji="1" lang="ja-JP" altLang="en-US" dirty="0" smtClean="0"/>
+              <a:t>成績反映</a:t>
+            </a:r>
+            <a:endParaRPr kumimoji="1" lang="ja-JP" altLang="en-US" dirty="0"/>
+          </a:p>
+        </p:txBody>
+      </p:sp>
+      <p:sp>
+        <p:nvSpPr>
+          <p:cNvPr id="4" name="角丸四角形 3"/>
+          <p:cNvSpPr/>
+          <p:nvPr/>
+        </p:nvSpPr>
+        <p:spPr>
+          <a:xfrm>
+            <a:off x="190500" y="1268016"/>
+            <a:ext cx="2444750" cy="3723084"/>
+          </a:xfrm>
+          <a:prstGeom prst="roundRect">
+            <a:avLst/>
+          </a:prstGeom>
+        </p:spPr>
+        <p:style>
+          <a:lnRef idx="2">
+            <a:schemeClr val="accent1">
+              <a:shade val="50000"/>
+            </a:schemeClr>
+          </a:lnRef>
+          <a:fillRef idx="1">
+            <a:schemeClr val="accent1"/>
+          </a:fillRef>
+          <a:effectRef idx="0">
+            <a:schemeClr val="accent1"/>
+          </a:effectRef>
+          <a:fontRef idx="minor">
+            <a:schemeClr val="lt1"/>
+          </a:fontRef>
+        </p:style>
+        <p:txBody>
+          <a:bodyPr rtlCol="0" anchor="ctr"/>
+          <a:lstStyle/>
+          <a:p>
+            <a:pPr algn="ctr"/>
+            <a:r>
+              <a:rPr kumimoji="1" lang="en-US" altLang="ja-JP" sz="4800" dirty="0" smtClean="0"/>
+              <a:t>LMS</a:t>
+            </a:r>
+            <a:endParaRPr kumimoji="1" lang="ja-JP" altLang="en-US" sz="4800" dirty="0"/>
+          </a:p>
+        </p:txBody>
+      </p:sp>
+      <p:sp>
+        <p:nvSpPr>
+          <p:cNvPr id="5" name="角丸四角形 4"/>
+          <p:cNvSpPr/>
+          <p:nvPr/>
+        </p:nvSpPr>
+        <p:spPr>
+          <a:xfrm>
+            <a:off x="6508750" y="1268016"/>
+            <a:ext cx="2444750" cy="3723084"/>
+          </a:xfrm>
+          <a:prstGeom prst="roundRect">
+            <a:avLst/>
+          </a:prstGeom>
+        </p:spPr>
+        <p:style>
+          <a:lnRef idx="2">
+            <a:schemeClr val="accent1">
+              <a:shade val="50000"/>
+            </a:schemeClr>
+          </a:lnRef>
+          <a:fillRef idx="1">
+            <a:schemeClr val="accent1"/>
+          </a:fillRef>
+          <a:effectRef idx="0">
+            <a:schemeClr val="accent1"/>
+          </a:effectRef>
+          <a:fontRef idx="minor">
+            <a:schemeClr val="lt1"/>
+          </a:fontRef>
+        </p:style>
+        <p:txBody>
+          <a:bodyPr rtlCol="0" anchor="ctr"/>
+          <a:lstStyle/>
+          <a:p>
+            <a:pPr algn="ctr"/>
+            <a:r>
+              <a:rPr kumimoji="1" lang="en-US" altLang="ja-JP" sz="4400" dirty="0" smtClean="0"/>
+              <a:t>Tool</a:t>
+            </a:r>
+            <a:endParaRPr kumimoji="1" lang="ja-JP" altLang="en-US" sz="4400" dirty="0"/>
+          </a:p>
+        </p:txBody>
+      </p:sp>
+      <p:sp>
+        <p:nvSpPr>
+          <p:cNvPr id="3" name="左矢印 2"/>
+          <p:cNvSpPr/>
+          <p:nvPr/>
+        </p:nvSpPr>
+        <p:spPr>
+          <a:xfrm>
+            <a:off x="2679700" y="3784600"/>
+            <a:ext cx="3829050" cy="749300"/>
+          </a:xfrm>
+          <a:prstGeom prst="leftArrow">
+            <a:avLst/>
+          </a:prstGeom>
+        </p:spPr>
+        <p:style>
+          <a:lnRef idx="2">
+            <a:schemeClr val="accent2">
+              <a:shade val="50000"/>
+            </a:schemeClr>
+          </a:lnRef>
+          <a:fillRef idx="1">
+            <a:schemeClr val="accent2"/>
+          </a:fillRef>
+          <a:effectRef idx="0">
+            <a:schemeClr val="accent2"/>
+          </a:effectRef>
+          <a:fontRef idx="minor">
+            <a:schemeClr val="lt1"/>
+          </a:fontRef>
+        </p:style>
+        <p:txBody>
+          <a:bodyPr rtlCol="0" anchor="ctr"/>
+          <a:lstStyle/>
+          <a:p>
+            <a:pPr algn="ctr"/>
+            <a:r>
+              <a:rPr kumimoji="1" lang="en-US" altLang="ja-JP" dirty="0" smtClean="0"/>
+              <a:t>XML</a:t>
+            </a:r>
+            <a:endParaRPr kumimoji="1" lang="ja-JP" altLang="en-US" dirty="0"/>
+          </a:p>
+        </p:txBody>
+      </p:sp>
+      <p:sp>
+        <p:nvSpPr>
+          <p:cNvPr id="10" name="テキスト ボックス 9"/>
+          <p:cNvSpPr txBox="1"/>
+          <p:nvPr/>
+        </p:nvSpPr>
+        <p:spPr>
+          <a:xfrm>
+            <a:off x="3632479" y="3484518"/>
+            <a:ext cx="1879041" cy="300082"/>
+          </a:xfrm>
+          <a:prstGeom prst="rect">
+            <a:avLst/>
+          </a:prstGeom>
+          <a:noFill/>
+        </p:spPr>
+        <p:txBody>
+          <a:bodyPr wrap="none" rtlCol="0">
+            <a:spAutoFit/>
+          </a:bodyPr>
+          <a:lstStyle/>
+          <a:p>
+            <a:r>
+              <a:rPr lang="en-US" altLang="ja-JP" dirty="0" smtClean="0"/>
+              <a:t>XML</a:t>
+            </a:r>
+            <a:r>
+              <a:rPr lang="ja-JP" altLang="en-US" dirty="0" smtClean="0"/>
+              <a:t>形式で成績を送信</a:t>
+            </a:r>
+            <a:endParaRPr kumimoji="1" lang="ja-JP" altLang="en-US" dirty="0"/>
+          </a:p>
+        </p:txBody>
+      </p:sp>
+    </p:spTree>
+    <p:extLst>
+      <p:ext uri="{BB962C8B-B14F-4D97-AF65-F5344CB8AC3E}">
+        <p14:creationId xmlns:p14="http://schemas.microsoft.com/office/powerpoint/2010/main" val="942226871"/>
+      </p:ext>
+    </p:extLst>
+  </p:cSld>
+  <p:clrMapOvr>
+    <a:masterClrMapping/>
+  </p:clrMapOvr>
+  <p:timing>
+    <p:tnLst>
+      <p:par>
+        <p:cTn id="1" dur="indefinite" restart="never" nodeType="tmRoot"/>
+      </p:par>
+    </p:tnLst>
+  </p:timing>
 </p:sld>
 </file>
 
@@ -4367,7 +5899,7 @@
               <a:buAutoNum type="arabicPeriod"/>
             </a:pPr>
             <a:r>
-              <a:rPr kumimoji="1" lang="ja-JP" altLang="en-US"/>
+              <a:rPr kumimoji="1" lang="ja-JP" altLang="en-US" dirty="0"/>
               <a:t>背景と目的</a:t>
             </a:r>
             <a:endParaRPr kumimoji="1" lang="en-US" altLang="ja-JP" dirty="0"/>
@@ -4385,12 +5917,28 @@
           <a:p>
             <a:pPr lvl="1"/>
             <a:r>
-              <a:rPr lang="en-US" altLang="ja-JP" dirty="0"/>
-              <a:t>A</a:t>
-            </a:r>
+              <a:rPr lang="en-US" altLang="ja-JP" dirty="0" smtClean="0"/>
+              <a:t>LTI</a:t>
+            </a:r>
+            <a:r>
+              <a:rPr lang="ja-JP" altLang="en-US" dirty="0" smtClean="0"/>
+              <a:t>設定方法</a:t>
+            </a:r>
+            <a:endParaRPr lang="en-US" altLang="ja-JP" dirty="0"/>
           </a:p>
           <a:p>
             <a:pPr lvl="1"/>
+            <a:r>
+              <a:rPr lang="en-US" altLang="ja-JP" dirty="0" smtClean="0"/>
+              <a:t>OAuth</a:t>
+            </a:r>
+          </a:p>
+          <a:p>
+            <a:pPr lvl="1"/>
+            <a:r>
+              <a:rPr lang="ja-JP" altLang="en-US" dirty="0" smtClean="0"/>
+              <a:t>成績反映</a:t>
+            </a:r>
             <a:r>
               <a:rPr lang="en-US" altLang="ja-JP" dirty="0"/>
               <a:t/>
@@ -4405,7 +5953,25 @@
               <a:buFont typeface="+mj-lt"/>
               <a:buAutoNum type="arabicPeriod"/>
             </a:pPr>
+            <a:r>
+              <a:rPr lang="ja-JP" altLang="en-US" dirty="0"/>
+              <a:t>システム</a:t>
+            </a:r>
             <a:endParaRPr lang="en-US" altLang="ja-JP" dirty="0"/>
+          </a:p>
+          <a:p>
+            <a:pPr lvl="1"/>
+            <a:r>
+              <a:rPr lang="en-US" altLang="ja-JP" dirty="0"/>
+              <a:t>A</a:t>
+            </a:r>
+          </a:p>
+          <a:p>
+            <a:pPr lvl="1"/>
+            <a:r>
+              <a:rPr lang="en-US" altLang="ja-JP" dirty="0"/>
+              <a:t>a</a:t>
+            </a:r>
           </a:p>
           <a:p>
             <a:pPr marL="457200" indent="-457200">
@@ -4413,42 +5979,17 @@
               <a:buAutoNum type="arabicPeriod"/>
             </a:pPr>
             <a:r>
-              <a:rPr lang="ja-JP" altLang="en-US"/>
-              <a:t>システム</a:t>
+              <a:rPr lang="ja-JP" altLang="en-US" dirty="0"/>
+              <a:t>課題とまとめ</a:t>
             </a:r>
             <a:endParaRPr lang="en-US" altLang="ja-JP" dirty="0"/>
-          </a:p>
-          <a:p>
-            <a:pPr lvl="1"/>
-            <a:r>
-              <a:rPr lang="en-US" altLang="ja-JP" dirty="0"/>
-              <a:t>A</a:t>
-            </a:r>
-          </a:p>
-          <a:p>
-            <a:pPr lvl="1"/>
-            <a:r>
-              <a:rPr lang="en-US" altLang="ja-JP" dirty="0"/>
-              <a:t>a</a:t>
-            </a:r>
           </a:p>
           <a:p>
             <a:pPr marL="457200" indent="-457200">
               <a:buFont typeface="+mj-lt"/>
               <a:buAutoNum type="arabicPeriod"/>
             </a:pPr>
-            <a:r>
-              <a:rPr lang="ja-JP" altLang="en-US"/>
-              <a:t>課題とまとめ</a:t>
-            </a:r>
-            <a:endParaRPr lang="en-US" altLang="ja-JP" dirty="0"/>
-          </a:p>
-          <a:p>
-            <a:pPr marL="457200" indent="-457200">
-              <a:buFont typeface="+mj-lt"/>
-              <a:buAutoNum type="arabicPeriod"/>
-            </a:pPr>
-            <a:endParaRPr kumimoji="1" lang="ja-JP" altLang="en-US"/>
+            <a:endParaRPr kumimoji="1" lang="ja-JP" altLang="en-US" dirty="0"/>
           </a:p>
         </p:txBody>
       </p:sp>
@@ -4462,6 +6003,284 @@
   <p:clrMapOvr>
     <a:masterClrMapping/>
   </p:clrMapOvr>
+  <p:timing>
+    <p:tnLst>
+      <p:par>
+        <p:cTn id="1" dur="indefinite" restart="never" nodeType="tmRoot"/>
+      </p:par>
+    </p:tnLst>
+  </p:timing>
+</p:sld>
+</file>
+
+<file path=ppt/slides/slide20.xml><?xml version="1.0" encoding="utf-8"?>
+<p:sld xmlns:a="http://schemas.openxmlformats.org/drawingml/2006/main" xmlns:r="http://schemas.openxmlformats.org/officeDocument/2006/relationships" xmlns:p="http://schemas.openxmlformats.org/presentationml/2006/main">
+  <p:cSld>
+    <p:spTree>
+      <p:nvGrpSpPr>
+        <p:cNvPr id="1" name=""/>
+        <p:cNvGrpSpPr/>
+        <p:nvPr/>
+      </p:nvGrpSpPr>
+      <p:grpSpPr>
+        <a:xfrm>
+          <a:off x="0" y="0"/>
+          <a:ext cx="0" cy="0"/>
+          <a:chOff x="0" y="0"/>
+          <a:chExt cx="0" cy="0"/>
+        </a:xfrm>
+      </p:grpSpPr>
+      <p:sp>
+        <p:nvSpPr>
+          <p:cNvPr id="2" name="タイトル 1">
+            <a:extLst>
+              <a:ext uri="{FF2B5EF4-FFF2-40B4-BE49-F238E27FC236}">
+                <a16:creationId xmlns:a16="http://schemas.microsoft.com/office/drawing/2014/main" xmlns="" id="{80DBE4F9-E233-394A-BA5A-BC2588DB79BC}"/>
+              </a:ext>
+            </a:extLst>
+          </p:cNvPr>
+          <p:cNvSpPr>
+            <a:spLocks noGrp="1"/>
+          </p:cNvSpPr>
+          <p:nvPr>
+            <p:ph type="title"/>
+          </p:nvPr>
+        </p:nvSpPr>
+        <p:spPr/>
+        <p:txBody>
+          <a:bodyPr/>
+          <a:lstStyle/>
+          <a:p>
+            <a:r>
+              <a:rPr kumimoji="1" lang="ja-JP" altLang="en-US"/>
+              <a:t>システム</a:t>
+            </a:r>
+          </a:p>
+        </p:txBody>
+      </p:sp>
+      <p:sp>
+        <p:nvSpPr>
+          <p:cNvPr id="3" name="コンテンツ プレースホルダー 2">
+            <a:extLst>
+              <a:ext uri="{FF2B5EF4-FFF2-40B4-BE49-F238E27FC236}">
+                <a16:creationId xmlns:a16="http://schemas.microsoft.com/office/drawing/2014/main" xmlns="" id="{0371DA01-F23D-354C-ADCE-908F46C9DD03}"/>
+              </a:ext>
+            </a:extLst>
+          </p:cNvPr>
+          <p:cNvSpPr>
+            <a:spLocks noGrp="1"/>
+          </p:cNvSpPr>
+          <p:nvPr>
+            <p:ph idx="1"/>
+          </p:nvPr>
+        </p:nvSpPr>
+        <p:spPr/>
+        <p:txBody>
+          <a:bodyPr/>
+          <a:lstStyle/>
+          <a:p>
+            <a:endParaRPr kumimoji="1" lang="ja-JP" altLang="en-US" dirty="0"/>
+          </a:p>
+        </p:txBody>
+      </p:sp>
+    </p:spTree>
+    <p:extLst>
+      <p:ext uri="{BB962C8B-B14F-4D97-AF65-F5344CB8AC3E}">
+        <p14:creationId xmlns:p14="http://schemas.microsoft.com/office/powerpoint/2010/main" val="2388633898"/>
+      </p:ext>
+    </p:extLst>
+  </p:cSld>
+  <p:clrMapOvr>
+    <a:masterClrMapping/>
+  </p:clrMapOvr>
+  <p:timing>
+    <p:tnLst>
+      <p:par>
+        <p:cTn id="1" dur="indefinite" restart="never" nodeType="tmRoot"/>
+      </p:par>
+    </p:tnLst>
+  </p:timing>
+</p:sld>
+</file>
+
+<file path=ppt/slides/slide21.xml><?xml version="1.0" encoding="utf-8"?>
+<p:sld xmlns:a="http://schemas.openxmlformats.org/drawingml/2006/main" xmlns:r="http://schemas.openxmlformats.org/officeDocument/2006/relationships" xmlns:p="http://schemas.openxmlformats.org/presentationml/2006/main">
+  <p:cSld>
+    <p:spTree>
+      <p:nvGrpSpPr>
+        <p:cNvPr id="1" name=""/>
+        <p:cNvGrpSpPr/>
+        <p:nvPr/>
+      </p:nvGrpSpPr>
+      <p:grpSpPr>
+        <a:xfrm>
+          <a:off x="0" y="0"/>
+          <a:ext cx="0" cy="0"/>
+          <a:chOff x="0" y="0"/>
+          <a:chExt cx="0" cy="0"/>
+        </a:xfrm>
+      </p:grpSpPr>
+      <p:sp>
+        <p:nvSpPr>
+          <p:cNvPr id="2" name="タイトル 1">
+            <a:extLst>
+              <a:ext uri="{FF2B5EF4-FFF2-40B4-BE49-F238E27FC236}">
+                <a16:creationId xmlns:a16="http://schemas.microsoft.com/office/drawing/2014/main" xmlns="" id="{A7E07DC4-64D1-054F-A040-A3860652E9D8}"/>
+              </a:ext>
+            </a:extLst>
+          </p:cNvPr>
+          <p:cNvSpPr>
+            <a:spLocks noGrp="1"/>
+          </p:cNvSpPr>
+          <p:nvPr>
+            <p:ph type="title"/>
+          </p:nvPr>
+        </p:nvSpPr>
+        <p:spPr/>
+        <p:txBody>
+          <a:bodyPr/>
+          <a:lstStyle/>
+          <a:p>
+            <a:r>
+              <a:rPr lang="ja-JP" altLang="en-US"/>
+              <a:t>まとめ</a:t>
+            </a:r>
+            <a:endParaRPr kumimoji="1" lang="ja-JP" altLang="en-US"/>
+          </a:p>
+        </p:txBody>
+      </p:sp>
+      <p:sp>
+        <p:nvSpPr>
+          <p:cNvPr id="3" name="コンテンツ プレースホルダー 2">
+            <a:extLst>
+              <a:ext uri="{FF2B5EF4-FFF2-40B4-BE49-F238E27FC236}">
+                <a16:creationId xmlns:a16="http://schemas.microsoft.com/office/drawing/2014/main" xmlns="" id="{B5784928-8E1D-5847-8756-7BDD7169986A}"/>
+              </a:ext>
+            </a:extLst>
+          </p:cNvPr>
+          <p:cNvSpPr>
+            <a:spLocks noGrp="1"/>
+          </p:cNvSpPr>
+          <p:nvPr>
+            <p:ph idx="1"/>
+          </p:nvPr>
+        </p:nvSpPr>
+        <p:spPr/>
+        <p:txBody>
+          <a:bodyPr/>
+          <a:lstStyle/>
+          <a:p>
+            <a:endParaRPr kumimoji="1" lang="ja-JP" altLang="en-US"/>
+          </a:p>
+        </p:txBody>
+      </p:sp>
+    </p:spTree>
+    <p:extLst>
+      <p:ext uri="{BB962C8B-B14F-4D97-AF65-F5344CB8AC3E}">
+        <p14:creationId xmlns:p14="http://schemas.microsoft.com/office/powerpoint/2010/main" val="153899901"/>
+      </p:ext>
+    </p:extLst>
+  </p:cSld>
+  <p:clrMapOvr>
+    <a:masterClrMapping/>
+  </p:clrMapOvr>
+  <p:timing>
+    <p:tnLst>
+      <p:par>
+        <p:cTn id="1" dur="indefinite" restart="never" nodeType="tmRoot"/>
+      </p:par>
+    </p:tnLst>
+  </p:timing>
+</p:sld>
+</file>
+
+<file path=ppt/slides/slide22.xml><?xml version="1.0" encoding="utf-8"?>
+<p:sld xmlns:a="http://schemas.openxmlformats.org/drawingml/2006/main" xmlns:r="http://schemas.openxmlformats.org/officeDocument/2006/relationships" xmlns:p="http://schemas.openxmlformats.org/presentationml/2006/main">
+  <p:cSld>
+    <p:spTree>
+      <p:nvGrpSpPr>
+        <p:cNvPr id="1" name=""/>
+        <p:cNvGrpSpPr/>
+        <p:nvPr/>
+      </p:nvGrpSpPr>
+      <p:grpSpPr>
+        <a:xfrm>
+          <a:off x="0" y="0"/>
+          <a:ext cx="0" cy="0"/>
+          <a:chOff x="0" y="0"/>
+          <a:chExt cx="0" cy="0"/>
+        </a:xfrm>
+      </p:grpSpPr>
+      <p:sp>
+        <p:nvSpPr>
+          <p:cNvPr id="2" name="タイトル 1">
+            <a:extLst>
+              <a:ext uri="{FF2B5EF4-FFF2-40B4-BE49-F238E27FC236}">
+                <a16:creationId xmlns:a16="http://schemas.microsoft.com/office/drawing/2014/main" xmlns="" id="{727964B9-F841-CE4A-9464-9A3EBC6C2DD7}"/>
+              </a:ext>
+            </a:extLst>
+          </p:cNvPr>
+          <p:cNvSpPr>
+            <a:spLocks noGrp="1"/>
+          </p:cNvSpPr>
+          <p:nvPr>
+            <p:ph type="title"/>
+          </p:nvPr>
+        </p:nvSpPr>
+        <p:spPr/>
+        <p:txBody>
+          <a:bodyPr/>
+          <a:lstStyle/>
+          <a:p>
+            <a:r>
+              <a:rPr kumimoji="1" lang="ja-JP" altLang="en-US"/>
+              <a:t>課題</a:t>
+            </a:r>
+          </a:p>
+        </p:txBody>
+      </p:sp>
+      <p:sp>
+        <p:nvSpPr>
+          <p:cNvPr id="3" name="コンテンツ プレースホルダー 2">
+            <a:extLst>
+              <a:ext uri="{FF2B5EF4-FFF2-40B4-BE49-F238E27FC236}">
+                <a16:creationId xmlns:a16="http://schemas.microsoft.com/office/drawing/2014/main" xmlns="" id="{D17C71C4-D57D-4949-95C6-A7398BD521B9}"/>
+              </a:ext>
+            </a:extLst>
+          </p:cNvPr>
+          <p:cNvSpPr>
+            <a:spLocks noGrp="1"/>
+          </p:cNvSpPr>
+          <p:nvPr>
+            <p:ph idx="1"/>
+          </p:nvPr>
+        </p:nvSpPr>
+        <p:spPr/>
+        <p:txBody>
+          <a:bodyPr/>
+          <a:lstStyle/>
+          <a:p>
+            <a:endParaRPr kumimoji="1" lang="ja-JP" altLang="en-US"/>
+          </a:p>
+        </p:txBody>
+      </p:sp>
+    </p:spTree>
+    <p:extLst>
+      <p:ext uri="{BB962C8B-B14F-4D97-AF65-F5344CB8AC3E}">
+        <p14:creationId xmlns:p14="http://schemas.microsoft.com/office/powerpoint/2010/main" val="2577130232"/>
+      </p:ext>
+    </p:extLst>
+  </p:cSld>
+  <p:clrMapOvr>
+    <a:masterClrMapping/>
+  </p:clrMapOvr>
+  <p:timing>
+    <p:tnLst>
+      <p:par>
+        <p:cTn id="1" dur="indefinite" restart="never" nodeType="tmRoot"/>
+      </p:par>
+    </p:tnLst>
+  </p:timing>
 </p:sld>
 </file>
 
@@ -4623,6 +6442,13 @@
   <p:clrMapOvr>
     <a:masterClrMapping/>
   </p:clrMapOvr>
+  <p:timing>
+    <p:tnLst>
+      <p:par>
+        <p:cTn id="1" dur="indefinite" restart="never" nodeType="tmRoot"/>
+      </p:par>
+    </p:tnLst>
+  </p:timing>
 </p:sld>
 </file>
 
@@ -5422,30 +7248,10 @@
           <a:bodyPr/>
           <a:lstStyle/>
           <a:p>
-            <a:endParaRPr kumimoji="1" lang="ja-JP" altLang="en-US" dirty="0"/>
-          </a:p>
-        </p:txBody>
-      </p:sp>
-      <p:sp>
-        <p:nvSpPr>
-          <p:cNvPr id="3" name="コンテンツ プレースホルダー 2"/>
-          <p:cNvSpPr>
-            <a:spLocks noGrp="1"/>
-          </p:cNvSpPr>
-          <p:nvPr>
-            <p:ph idx="1"/>
-          </p:nvPr>
-        </p:nvSpPr>
-        <p:spPr>
-          <a:xfrm>
-            <a:off x="628650" y="1420019"/>
-            <a:ext cx="7886700" cy="3263504"/>
-          </a:xfrm>
-        </p:spPr>
-        <p:txBody>
-          <a:bodyPr/>
-          <a:lstStyle/>
-          <a:p>
+            <a:r>
+              <a:rPr lang="ja-JP" altLang="en-US" dirty="0" smtClean="0"/>
+              <a:t>呼び出しイメージ</a:t>
+            </a:r>
             <a:endParaRPr kumimoji="1" lang="ja-JP" altLang="en-US" dirty="0"/>
           </a:p>
         </p:txBody>
@@ -5458,7 +7264,7 @@
         </p:nvSpPr>
         <p:spPr>
           <a:xfrm>
-            <a:off x="1073888" y="2060353"/>
+            <a:off x="1073888" y="2073053"/>
             <a:ext cx="2030819" cy="2169042"/>
           </a:xfrm>
           <a:prstGeom prst="roundRect">
@@ -5607,6 +7413,124 @@
           <a:p>
             <a:pPr algn="ctr"/>
             <a:endParaRPr kumimoji="1" lang="ja-JP" altLang="en-US"/>
+          </a:p>
+        </p:txBody>
+      </p:sp>
+      <p:sp>
+        <p:nvSpPr>
+          <p:cNvPr id="15" name="テキスト ボックス 14"/>
+          <p:cNvSpPr txBox="1"/>
+          <p:nvPr/>
+        </p:nvSpPr>
+        <p:spPr>
+          <a:xfrm>
+            <a:off x="3414676" y="2076006"/>
+            <a:ext cx="2527300" cy="300082"/>
+          </a:xfrm>
+          <a:prstGeom prst="rect">
+            <a:avLst/>
+          </a:prstGeom>
+          <a:noFill/>
+        </p:spPr>
+        <p:txBody>
+          <a:bodyPr wrap="square" rtlCol="0">
+            <a:spAutoFit/>
+          </a:bodyPr>
+          <a:lstStyle/>
+          <a:p>
+            <a:r>
+              <a:rPr kumimoji="1" lang="en-US" altLang="ja-JP" dirty="0" smtClean="0"/>
+              <a:t>LTI</a:t>
+            </a:r>
+            <a:r>
+              <a:rPr lang="en-US" altLang="ja-JP" dirty="0" smtClean="0"/>
+              <a:t>1.0</a:t>
+            </a:r>
+            <a:r>
+              <a:rPr lang="ja-JP" altLang="en-US" dirty="0" smtClean="0"/>
+              <a:t>規格で</a:t>
+            </a:r>
+            <a:r>
+              <a:rPr kumimoji="1" lang="ja-JP" altLang="en-US" dirty="0" smtClean="0"/>
+              <a:t>ツールの呼び出し</a:t>
+            </a:r>
+            <a:endParaRPr kumimoji="1" lang="ja-JP" altLang="en-US" dirty="0"/>
+          </a:p>
+        </p:txBody>
+      </p:sp>
+      <p:sp>
+        <p:nvSpPr>
+          <p:cNvPr id="16" name="テキスト ボックス 15"/>
+          <p:cNvSpPr txBox="1"/>
+          <p:nvPr/>
+        </p:nvSpPr>
+        <p:spPr>
+          <a:xfrm>
+            <a:off x="3948075" y="3157574"/>
+            <a:ext cx="2699488" cy="300082"/>
+          </a:xfrm>
+          <a:prstGeom prst="rect">
+            <a:avLst/>
+          </a:prstGeom>
+          <a:noFill/>
+        </p:spPr>
+        <p:txBody>
+          <a:bodyPr wrap="square" rtlCol="0">
+            <a:spAutoFit/>
+          </a:bodyPr>
+          <a:lstStyle/>
+          <a:p>
+            <a:r>
+              <a:rPr kumimoji="1" lang="ja-JP" altLang="en-US" dirty="0" smtClean="0"/>
+              <a:t>成績、答案</a:t>
+            </a:r>
+            <a:endParaRPr kumimoji="1" lang="ja-JP" altLang="en-US" dirty="0"/>
+          </a:p>
+        </p:txBody>
+      </p:sp>
+      <p:sp>
+        <p:nvSpPr>
+          <p:cNvPr id="17" name="円/楕円 16"/>
+          <p:cNvSpPr/>
+          <p:nvPr/>
+        </p:nvSpPr>
+        <p:spPr>
+          <a:xfrm>
+            <a:off x="3043201" y="1498600"/>
+            <a:ext cx="2960281" cy="574453"/>
+          </a:xfrm>
+          <a:prstGeom prst="ellipse">
+            <a:avLst/>
+          </a:prstGeom>
+        </p:spPr>
+        <p:style>
+          <a:lnRef idx="3">
+            <a:schemeClr val="lt1"/>
+          </a:lnRef>
+          <a:fillRef idx="1">
+            <a:schemeClr val="accent2"/>
+          </a:fillRef>
+          <a:effectRef idx="1">
+            <a:schemeClr val="accent2"/>
+          </a:effectRef>
+          <a:fontRef idx="minor">
+            <a:schemeClr val="lt1"/>
+          </a:fontRef>
+        </p:style>
+        <p:txBody>
+          <a:bodyPr rtlCol="0" anchor="ctr"/>
+          <a:lstStyle/>
+          <a:p>
+            <a:pPr algn="ctr"/>
+            <a:r>
+              <a:rPr kumimoji="1" lang="en-US" altLang="ja-JP" dirty="0" smtClean="0"/>
+              <a:t>OAuth</a:t>
+            </a:r>
+            <a:r>
+              <a:rPr lang="en-US" altLang="ja-JP" dirty="0" smtClean="0"/>
+              <a:t>1.0</a:t>
+            </a:r>
+            <a:endParaRPr kumimoji="1" lang="ja-JP" altLang="en-US" dirty="0"/>
           </a:p>
         </p:txBody>
       </p:sp>
@@ -5667,8 +7591,12 @@
               <a:t>LTI</a:t>
             </a:r>
             <a:r>
+              <a:rPr lang="ja-JP" altLang="en-US" dirty="0" smtClean="0"/>
+              <a:t>設定</a:t>
+            </a:r>
+            <a:r>
               <a:rPr kumimoji="1" lang="ja-JP" altLang="en-US" dirty="0" smtClean="0"/>
-              <a:t>使用方法</a:t>
+              <a:t>方法</a:t>
             </a:r>
             <a:endParaRPr kumimoji="1" lang="ja-JP" altLang="en-US" dirty="0"/>
           </a:p>
@@ -5700,6 +7628,65 @@
             <a:r>
               <a:rPr lang="ja-JP" altLang="en-US" dirty="0" smtClean="0"/>
               <a:t>で外部ツール設定を行う</a:t>
+            </a:r>
+            <a:endParaRPr lang="en-US" altLang="ja-JP" dirty="0" smtClean="0"/>
+          </a:p>
+          <a:p>
+            <a:pPr marL="685800" lvl="1" indent="-342900">
+              <a:buFont typeface="+mj-lt"/>
+              <a:buAutoNum type="arabicPeriod"/>
+            </a:pPr>
+            <a:r>
+              <a:rPr lang="ja-JP" altLang="en-US" dirty="0" smtClean="0"/>
+              <a:t>新しい外部ツールの追加を選択</a:t>
+            </a:r>
+            <a:endParaRPr lang="en-US" altLang="ja-JP" dirty="0" smtClean="0"/>
+          </a:p>
+          <a:p>
+            <a:pPr marL="685800" lvl="1" indent="-342900">
+              <a:buFont typeface="+mj-lt"/>
+              <a:buAutoNum type="arabicPeriod"/>
+            </a:pPr>
+            <a:r>
+              <a:rPr lang="ja-JP" altLang="en-US" dirty="0" smtClean="0"/>
+              <a:t>ツール名、ツールベース</a:t>
+            </a:r>
+            <a:r>
+              <a:rPr lang="en-US" altLang="ja-JP" dirty="0" smtClean="0"/>
+              <a:t>URL</a:t>
+            </a:r>
+            <a:r>
+              <a:rPr lang="ja-JP" altLang="en-US" dirty="0" smtClean="0"/>
+              <a:t>、</a:t>
+            </a:r>
+            <a:r>
+              <a:rPr lang="en-US" altLang="ja-JP" dirty="0"/>
+              <a:t/>
+            </a:r>
+            <a:br>
+              <a:rPr lang="en-US" altLang="ja-JP" dirty="0"/>
+            </a:br>
+            <a:r>
+              <a:rPr lang="ja-JP" altLang="en-US" dirty="0" smtClean="0"/>
+              <a:t>コンシューマ鍵、共有秘密鍵を設定</a:t>
+            </a:r>
+            <a:endParaRPr lang="en-US" altLang="ja-JP" dirty="0" smtClean="0"/>
+          </a:p>
+          <a:p>
+            <a:endParaRPr lang="en-US" altLang="ja-JP" dirty="0" smtClean="0"/>
+          </a:p>
+          <a:p>
+            <a:r>
+              <a:rPr lang="ja-JP" altLang="en-US" dirty="0" smtClean="0"/>
+              <a:t>ツール側では</a:t>
+            </a:r>
+            <a:r>
+              <a:rPr lang="en-US" altLang="ja-JP" dirty="0" smtClean="0"/>
+              <a:t>OAuth</a:t>
+            </a:r>
+            <a:r>
+              <a:rPr lang="ja-JP" altLang="en-US" dirty="0" smtClean="0"/>
+              <a:t>認証の設定を行う</a:t>
             </a:r>
             <a:endParaRPr lang="en-US" altLang="ja-JP" dirty="0" smtClean="0"/>
           </a:p>
@@ -5984,4 +7971,265 @@
     </a:ext>
   </a:extLst>
 </a:theme>
+</file>
+
+<file path=ppt/theme/theme2.xml><?xml version="1.0" encoding="utf-8"?>
+<a:theme xmlns:a="http://schemas.openxmlformats.org/drawingml/2006/main" name="ホワイト">
+  <a:themeElements>
+    <a:clrScheme name="Office">
+      <a:dk1>
+        <a:sysClr val="windowText" lastClr="000000"/>
+      </a:dk1>
+      <a:lt1>
+        <a:sysClr val="window" lastClr="FFFFFF"/>
+      </a:lt1>
+      <a:dk2>
+        <a:srgbClr val="44546A"/>
+      </a:dk2>
+      <a:lt2>
+        <a:srgbClr val="E7E6E6"/>
+      </a:lt2>
+      <a:accent1>
+        <a:srgbClr val="4472C4"/>
+      </a:accent1>
+      <a:accent2>
+        <a:srgbClr val="ED7D31"/>
+      </a:accent2>
+      <a:accent3>
+        <a:srgbClr val="A5A5A5"/>
+      </a:accent3>
+      <a:accent4>
+        <a:srgbClr val="FFC000"/>
+      </a:accent4>
+      <a:accent5>
+        <a:srgbClr val="5B9BD5"/>
+      </a:accent5>
+      <a:accent6>
+        <a:srgbClr val="70AD47"/>
+      </a:accent6>
+      <a:hlink>
+        <a:srgbClr val="0563C1"/>
+      </a:hlink>
+      <a:folHlink>
+        <a:srgbClr val="954F72"/>
+      </a:folHlink>
+    </a:clrScheme>
+    <a:fontScheme name="Office">
+      <a:majorFont>
+        <a:latin typeface="Yu Gothic Light" panose="020F0302020204030204"/>
+        <a:ea typeface=""/>
+        <a:cs typeface=""/>
+        <a:font script="Jpan" typeface="Yu Gothic Light"/>
+        <a:font script="Hang" typeface="맑은 고딕"/>
+        <a:font script="Hans" typeface="DengXian Light"/>
+        <a:font script="Hant" typeface="新細明體"/>
+        <a:font script="Arab" typeface="Times New Roman"/>
+        <a:font script="Hebr" typeface="Times New Roman"/>
+        <a:font script="Thai" typeface="Angsana New"/>
+        <a:font script="Ethi" typeface="Nyala"/>
+        <a:font script="Beng" typeface="Vrinda"/>
+        <a:font script="Gujr" typeface="Shruti"/>
+        <a:font script="Khmr" typeface="MoolBoran"/>
+        <a:font script="Knda" typeface="Tunga"/>
+        <a:font script="Guru" typeface="Raavi"/>
+        <a:font script="Cans" typeface="Euphemia"/>
+        <a:font script="Cher" typeface="Plantagenet Cherokee"/>
+        <a:font script="Yiii" typeface="Microsoft Yi Baiti"/>
+        <a:font script="Tibt" typeface="Microsoft Himalaya"/>
+        <a:font script="Thaa" typeface="MV Boli"/>
+        <a:font script="Deva" typeface="Mangal"/>
+        <a:font script="Telu" typeface="Gautami"/>
+        <a:font script="Taml" typeface="Latha"/>
+        <a:font script="Syrc" typeface="Estrangelo Edessa"/>
+        <a:font script="Orya" typeface="Kalinga"/>
+        <a:font script="Mlym" typeface="Kartika"/>
+        <a:font script="Laoo" typeface="DokChampa"/>
+        <a:font script="Sinh" typeface="Iskoola Pota"/>
+        <a:font script="Mong" typeface="Mongolian Baiti"/>
+        <a:font script="Viet" typeface="Times New Roman"/>
+        <a:font script="Uigh" typeface="Microsoft Uighur"/>
+        <a:font script="Geor" typeface="Sylfaen"/>
+      </a:majorFont>
+      <a:minorFont>
+        <a:latin typeface="Yu Gothic" panose="020F0502020204030204"/>
+        <a:ea typeface=""/>
+        <a:cs typeface=""/>
+        <a:font script="Jpan" typeface="Yu Gothic"/>
+        <a:font script="Hang" typeface="맑은 고딕"/>
+        <a:font script="Hans" typeface="DengXian"/>
+        <a:font script="Hant" typeface="新細明體"/>
+        <a:font script="Arab" typeface="Arial"/>
+        <a:font script="Hebr" typeface="Arial"/>
+        <a:font script="Thai" typeface="Cordia New"/>
+        <a:font script="Ethi" typeface="Nyala"/>
+        <a:font script="Beng" typeface="Vrinda"/>
+        <a:font script="Gujr" typeface="Shruti"/>
+        <a:font script="Khmr" typeface="DaunPenh"/>
+        <a:font script="Knda" typeface="Tunga"/>
+        <a:font script="Guru" typeface="Raavi"/>
+        <a:font script="Cans" typeface="Euphemia"/>
+        <a:font script="Cher" typeface="Plantagenet Cherokee"/>
+        <a:font script="Yiii" typeface="Microsoft Yi Baiti"/>
+        <a:font script="Tibt" typeface="Microsoft Himalaya"/>
+        <a:font script="Thaa" typeface="MV Boli"/>
+        <a:font script="Deva" typeface="Mangal"/>
+        <a:font script="Telu" typeface="Gautami"/>
+        <a:font script="Taml" typeface="Latha"/>
+        <a:font script="Syrc" typeface="Estrangelo Edessa"/>
+        <a:font script="Orya" typeface="Kalinga"/>
+        <a:font script="Mlym" typeface="Kartika"/>
+        <a:font script="Laoo" typeface="DokChampa"/>
+        <a:font script="Sinh" typeface="Iskoola Pota"/>
+        <a:font script="Mong" typeface="Mongolian Baiti"/>
+        <a:font script="Viet" typeface="Arial"/>
+        <a:font script="Uigh" typeface="Microsoft Uighur"/>
+        <a:font script="Geor" typeface="Sylfaen"/>
+      </a:minorFont>
+    </a:fontScheme>
+    <a:fmtScheme name="Office">
+      <a:fillStyleLst>
+        <a:solidFill>
+          <a:schemeClr val="phClr"/>
+        </a:solidFill>
+        <a:gradFill rotWithShape="1">
+          <a:gsLst>
+            <a:gs pos="0">
+              <a:schemeClr val="phClr">
+                <a:lumMod val="110000"/>
+                <a:satMod val="105000"/>
+                <a:tint val="67000"/>
+              </a:schemeClr>
+            </a:gs>
+            <a:gs pos="50000">
+              <a:schemeClr val="phClr">
+                <a:lumMod val="105000"/>
+                <a:satMod val="103000"/>
+                <a:tint val="73000"/>
+              </a:schemeClr>
+            </a:gs>
+            <a:gs pos="100000">
+              <a:schemeClr val="phClr">
+                <a:lumMod val="105000"/>
+                <a:satMod val="109000"/>
+                <a:tint val="81000"/>
+              </a:schemeClr>
+            </a:gs>
+          </a:gsLst>
+          <a:lin ang="5400000" scaled="0"/>
+        </a:gradFill>
+        <a:gradFill rotWithShape="1">
+          <a:gsLst>
+            <a:gs pos="0">
+              <a:schemeClr val="phClr">
+                <a:satMod val="103000"/>
+                <a:lumMod val="102000"/>
+                <a:tint val="94000"/>
+              </a:schemeClr>
+            </a:gs>
+            <a:gs pos="50000">
+              <a:schemeClr val="phClr">
+                <a:satMod val="110000"/>
+                <a:lumMod val="100000"/>
+                <a:shade val="100000"/>
+              </a:schemeClr>
+            </a:gs>
+            <a:gs pos="100000">
+              <a:schemeClr val="phClr">
+                <a:lumMod val="99000"/>
+                <a:satMod val="120000"/>
+                <a:shade val="78000"/>
+              </a:schemeClr>
+            </a:gs>
+          </a:gsLst>
+          <a:lin ang="5400000" scaled="0"/>
+        </a:gradFill>
+      </a:fillStyleLst>
+      <a:lnStyleLst>
+        <a:ln w="6350" cap="flat" cmpd="sng" algn="ctr">
+          <a:solidFill>
+            <a:schemeClr val="phClr"/>
+          </a:solidFill>
+          <a:prstDash val="solid"/>
+          <a:miter lim="800000"/>
+        </a:ln>
+        <a:ln w="12700" cap="flat" cmpd="sng" algn="ctr">
+          <a:solidFill>
+            <a:schemeClr val="phClr"/>
+          </a:solidFill>
+          <a:prstDash val="solid"/>
+          <a:miter lim="800000"/>
+        </a:ln>
+        <a:ln w="19050" cap="flat" cmpd="sng" algn="ctr">
+          <a:solidFill>
+            <a:schemeClr val="phClr"/>
+          </a:solidFill>
+          <a:prstDash val="solid"/>
+          <a:miter lim="800000"/>
+        </a:ln>
+      </a:lnStyleLst>
+      <a:effectStyleLst>
+        <a:effectStyle>
+          <a:effectLst/>
+        </a:effectStyle>
+        <a:effectStyle>
+          <a:effectLst/>
+        </a:effectStyle>
+        <a:effectStyle>
+          <a:effectLst>
+            <a:outerShdw blurRad="57150" dist="19050" dir="5400000" algn="ctr" rotWithShape="0">
+              <a:srgbClr val="000000">
+                <a:alpha val="63000"/>
+              </a:srgbClr>
+            </a:outerShdw>
+          </a:effectLst>
+        </a:effectStyle>
+      </a:effectStyleLst>
+      <a:bgFillStyleLst>
+        <a:solidFill>
+          <a:schemeClr val="phClr"/>
+        </a:solidFill>
+        <a:solidFill>
+          <a:schemeClr val="phClr">
+            <a:tint val="95000"/>
+            <a:satMod val="170000"/>
+          </a:schemeClr>
+        </a:solidFill>
+        <a:gradFill rotWithShape="1">
+          <a:gsLst>
+            <a:gs pos="0">
+              <a:schemeClr val="phClr">
+                <a:tint val="93000"/>
+                <a:satMod val="150000"/>
+                <a:shade val="98000"/>
+                <a:lumMod val="102000"/>
+              </a:schemeClr>
+            </a:gs>
+            <a:gs pos="50000">
+              <a:schemeClr val="phClr">
+                <a:tint val="98000"/>
+                <a:satMod val="130000"/>
+                <a:shade val="90000"/>
+                <a:lumMod val="103000"/>
+              </a:schemeClr>
+            </a:gs>
+            <a:gs pos="100000">
+              <a:schemeClr val="phClr">
+                <a:shade val="63000"/>
+                <a:satMod val="120000"/>
+              </a:schemeClr>
+            </a:gs>
+          </a:gsLst>
+          <a:lin ang="5400000" scaled="0"/>
+        </a:gradFill>
+      </a:bgFillStyleLst>
+    </a:fmtScheme>
+  </a:themeElements>
+  <a:objectDefaults/>
+  <a:extraClrSchemeLst/>
+  <a:extLst>
+    <a:ext uri="{05A4C25C-085E-4340-85A3-A5531E510DB2}">
+      <thm15:themeFamily xmlns:thm15="http://schemas.microsoft.com/office/thememl/2012/main" name="Office Theme" id="{62F939B6-93AF-4DB8-9C6B-D6C7DFDC589F}" vid="{4A3C46E8-61CC-4603-A589-7422A47A8E4A}"/>
+    </a:ext>
+  </a:extLst>
+</a:theme>
 </file>
--- a/卒検発表(suga).pptx
+++ b/卒検発表(suga).pptx
@@ -5780,7 +5780,7 @@
         </p:nvSpPr>
         <p:spPr>
           <a:xfrm>
-            <a:off x="3632479" y="3484518"/>
+            <a:off x="3632479" y="2827117"/>
             <a:ext cx="1879041" cy="300082"/>
           </a:xfrm>
           <a:prstGeom prst="rect">
@@ -5806,6 +5806,36 @@
           </a:p>
         </p:txBody>
       </p:sp>
+      <p:pic>
+        <p:nvPicPr>
+          <p:cNvPr id="11" name="図 10"/>
+          <p:cNvPicPr>
+            <a:picLocks noChangeAspect="1"/>
+          </p:cNvPicPr>
+          <p:nvPr/>
+        </p:nvPicPr>
+        <p:blipFill>
+          <a:blip r:embed="rId2">
+            <a:extLst>
+              <a:ext uri="{28A0092B-C50C-407E-A947-70E740481C1C}">
+                <a14:useLocalDpi xmlns:a14="http://schemas.microsoft.com/office/drawing/2010/main" val="0"/>
+              </a:ext>
+            </a:extLst>
+          </a:blip>
+          <a:stretch>
+            <a:fillRect/>
+          </a:stretch>
+        </p:blipFill>
+        <p:spPr>
+          <a:xfrm>
+            <a:off x="3302000" y="3127199"/>
+            <a:ext cx="2540000" cy="762000"/>
+          </a:xfrm>
+          <a:prstGeom prst="rect">
+            <a:avLst/>
+          </a:prstGeom>
+        </p:spPr>
+      </p:pic>
     </p:spTree>
     <p:extLst>
       <p:ext uri="{BB962C8B-B14F-4D97-AF65-F5344CB8AC3E}">
